--- a/Project 3/ME 6900 Project 3.pptx
+++ b/Project 3/ME 6900 Project 3.pptx
@@ -121,8 +121,7 @@
 <file path=ppt/revisionInfo.xml><?xml version="1.0" encoding="utf-8"?>
 <p1510:revInfo xmlns:a="http://schemas.openxmlformats.org/drawingml/2006/main" xmlns:r="http://schemas.openxmlformats.org/officeDocument/2006/relationships" xmlns:p1510="http://schemas.microsoft.com/office/powerpoint/2015/10/main">
   <p1510:revLst>
-    <p1510:client id="{A05068AD-69B2-4829-8D4C-BE37E594FF6D}" v="33" dt="2024-03-27T12:32:53.587"/>
-    <p1510:client id="{AD0C35B4-04AB-AA11-EBBE-499F35DA0AFD}" v="444" dt="2024-03-28T13:51:05.453"/>
+    <p1510:client id="{5F1706A0-F2C5-4056-8EDF-B4D158E5FB21}" v="16" dt="2024-04-02T17:28:36.409"/>
   </p1510:revLst>
 </p1510:revInfo>
 </file>
@@ -274,7 +273,7 @@
           <a:p>
             <a:fld id="{488B876E-8B29-4670-9D11-0916B2125122}" type="datetimeFigureOut">
               <a:rPr lang="en-US" smtClean="0"/>
-              <a:t>3/28/2024</a:t>
+              <a:t>4/2/2024</a:t>
             </a:fld>
             <a:endParaRPr lang="en-US"/>
           </a:p>
@@ -472,7 +471,7 @@
           <a:p>
             <a:fld id="{488B876E-8B29-4670-9D11-0916B2125122}" type="datetimeFigureOut">
               <a:rPr lang="en-US" smtClean="0"/>
-              <a:t>3/28/2024</a:t>
+              <a:t>4/2/2024</a:t>
             </a:fld>
             <a:endParaRPr lang="en-US"/>
           </a:p>
@@ -680,7 +679,7 @@
           <a:p>
             <a:fld id="{488B876E-8B29-4670-9D11-0916B2125122}" type="datetimeFigureOut">
               <a:rPr lang="en-US" smtClean="0"/>
-              <a:t>3/28/2024</a:t>
+              <a:t>4/2/2024</a:t>
             </a:fld>
             <a:endParaRPr lang="en-US"/>
           </a:p>
@@ -878,7 +877,7 @@
           <a:p>
             <a:fld id="{488B876E-8B29-4670-9D11-0916B2125122}" type="datetimeFigureOut">
               <a:rPr lang="en-US" smtClean="0"/>
-              <a:t>3/28/2024</a:t>
+              <a:t>4/2/2024</a:t>
             </a:fld>
             <a:endParaRPr lang="en-US"/>
           </a:p>
@@ -1153,7 +1152,7 @@
           <a:p>
             <a:fld id="{488B876E-8B29-4670-9D11-0916B2125122}" type="datetimeFigureOut">
               <a:rPr lang="en-US" smtClean="0"/>
-              <a:t>3/28/2024</a:t>
+              <a:t>4/2/2024</a:t>
             </a:fld>
             <a:endParaRPr lang="en-US"/>
           </a:p>
@@ -1418,7 +1417,7 @@
           <a:p>
             <a:fld id="{488B876E-8B29-4670-9D11-0916B2125122}" type="datetimeFigureOut">
               <a:rPr lang="en-US" smtClean="0"/>
-              <a:t>3/28/2024</a:t>
+              <a:t>4/2/2024</a:t>
             </a:fld>
             <a:endParaRPr lang="en-US"/>
           </a:p>
@@ -1830,7 +1829,7 @@
           <a:p>
             <a:fld id="{488B876E-8B29-4670-9D11-0916B2125122}" type="datetimeFigureOut">
               <a:rPr lang="en-US" smtClean="0"/>
-              <a:t>3/28/2024</a:t>
+              <a:t>4/2/2024</a:t>
             </a:fld>
             <a:endParaRPr lang="en-US"/>
           </a:p>
@@ -1971,7 +1970,7 @@
           <a:p>
             <a:fld id="{488B876E-8B29-4670-9D11-0916B2125122}" type="datetimeFigureOut">
               <a:rPr lang="en-US" smtClean="0"/>
-              <a:t>3/28/2024</a:t>
+              <a:t>4/2/2024</a:t>
             </a:fld>
             <a:endParaRPr lang="en-US"/>
           </a:p>
@@ -2084,7 +2083,7 @@
           <a:p>
             <a:fld id="{488B876E-8B29-4670-9D11-0916B2125122}" type="datetimeFigureOut">
               <a:rPr lang="en-US" smtClean="0"/>
-              <a:t>3/28/2024</a:t>
+              <a:t>4/2/2024</a:t>
             </a:fld>
             <a:endParaRPr lang="en-US"/>
           </a:p>
@@ -2395,7 +2394,7 @@
           <a:p>
             <a:fld id="{488B876E-8B29-4670-9D11-0916B2125122}" type="datetimeFigureOut">
               <a:rPr lang="en-US" smtClean="0"/>
-              <a:t>3/28/2024</a:t>
+              <a:t>4/2/2024</a:t>
             </a:fld>
             <a:endParaRPr lang="en-US"/>
           </a:p>
@@ -2683,7 +2682,7 @@
           <a:p>
             <a:fld id="{488B876E-8B29-4670-9D11-0916B2125122}" type="datetimeFigureOut">
               <a:rPr lang="en-US" smtClean="0"/>
-              <a:t>3/28/2024</a:t>
+              <a:t>4/2/2024</a:t>
             </a:fld>
             <a:endParaRPr lang="en-US"/>
           </a:p>
@@ -2924,7 +2923,7 @@
           <a:p>
             <a:fld id="{488B876E-8B29-4670-9D11-0916B2125122}" type="datetimeFigureOut">
               <a:rPr lang="en-US" smtClean="0"/>
-              <a:t>3/28/2024</a:t>
+              <a:t>4/2/2024</a:t>
             </a:fld>
             <a:endParaRPr lang="en-US"/>
           </a:p>
@@ -3363,7 +3362,7 @@
           <a:lstStyle/>
           <a:p>
             <a:r>
-              <a:rPr lang="en-US"/>
+              <a:rPr lang="en-US" dirty="0"/>
               <a:t>ME 6900 Project 3</a:t>
             </a:r>
           </a:p>
@@ -3394,7 +3393,7 @@
           <a:p>
             <a:pPr algn="ctr" rtl="0" fontAlgn="base"/>
             <a:r>
-              <a:rPr lang="en-US" sz="2400" b="1">
+              <a:rPr lang="en-US" sz="2400" b="1" dirty="0">
                 <a:solidFill>
                   <a:srgbClr val="000000"/>
                 </a:solidFill>
@@ -3403,7 +3402,7 @@
               <a:t>Jack </a:t>
             </a:r>
             <a:r>
-              <a:rPr lang="en-US" sz="2400" b="1" err="1">
+              <a:rPr lang="en-US" sz="2400" b="1" dirty="0" err="1">
                 <a:solidFill>
                   <a:srgbClr val="000000"/>
                 </a:solidFill>
@@ -3412,7 +3411,7 @@
               <a:t>Kirschler</a:t>
             </a:r>
             <a:r>
-              <a:rPr lang="en-US" sz="2400" b="1">
+              <a:rPr lang="en-US" sz="2400" b="1" dirty="0">
                 <a:solidFill>
                   <a:srgbClr val="000000"/>
                 </a:solidFill>
@@ -3421,7 +3420,7 @@
               <a:t> </a:t>
             </a:r>
             <a:r>
-              <a:rPr lang="en-US" sz="2400">
+              <a:rPr lang="en-US" sz="2400" dirty="0">
                 <a:solidFill>
                   <a:srgbClr val="000000"/>
                 </a:solidFill>
@@ -3430,7 +3429,7 @@
               <a:t> and </a:t>
             </a:r>
             <a:r>
-              <a:rPr lang="en-US" sz="2400" b="1">
+              <a:rPr lang="en-US" sz="2400" b="1" dirty="0">
                 <a:solidFill>
                   <a:srgbClr val="000000"/>
                 </a:solidFill>
@@ -3438,7 +3437,7 @@
               </a:rPr>
               <a:t>Tony Tonkovich</a:t>
             </a:r>
-            <a:endParaRPr lang="en-US" sz="2400">
+            <a:endParaRPr lang="en-US" sz="2400" dirty="0">
               <a:solidFill>
                 <a:srgbClr val="000000"/>
               </a:solidFill>
@@ -3448,7 +3447,7 @@
           <a:p>
             <a:pPr algn="ctr" rtl="0" fontAlgn="base"/>
             <a:br>
-              <a:rPr lang="en-US" sz="2400" b="0" i="0" u="none" strike="noStrike">
+              <a:rPr lang="en-US" sz="2400" b="0" i="0" u="none" strike="noStrike" dirty="0">
                 <a:solidFill>
                   <a:srgbClr val="000000"/>
                 </a:solidFill>
@@ -3457,7 +3456,7 @@
               </a:rPr>
             </a:br>
             <a:r>
-              <a:rPr lang="en-US" sz="2400" b="0" i="0" u="none" strike="noStrike">
+              <a:rPr lang="en-US" sz="2400" b="0" i="0" u="none" strike="noStrike" dirty="0">
                 <a:solidFill>
                   <a:srgbClr val="000000"/>
                 </a:solidFill>
@@ -3467,7 +3466,7 @@
               <a:t>Miss-all Industries + Raytheon Lockheed </a:t>
             </a:r>
             <a:r>
-              <a:rPr lang="en-US" sz="2400" b="0" i="0" u="none" strike="noStrike" err="1">
+              <a:rPr lang="en-US" sz="2400" b="0" i="0" u="none" strike="noStrike" dirty="0" err="1">
                 <a:solidFill>
                   <a:srgbClr val="000000"/>
                 </a:solidFill>
@@ -3477,7 +3476,7 @@
               <a:t>etc</a:t>
             </a:r>
             <a:r>
-              <a:rPr lang="en-US" sz="2400" b="0" i="0" u="none" strike="noStrike">
+              <a:rPr lang="en-US" sz="2400" b="0" i="0" u="none" strike="noStrike" dirty="0">
                 <a:solidFill>
                   <a:srgbClr val="000000"/>
                 </a:solidFill>
@@ -3487,7 +3486,7 @@
               <a:t> LLC</a:t>
             </a:r>
             <a:r>
-              <a:rPr lang="en-US" sz="2400" b="0" i="0">
+              <a:rPr lang="en-US" sz="2400" b="0" i="0" dirty="0">
                 <a:solidFill>
                   <a:srgbClr val="000000"/>
                 </a:solidFill>
@@ -3497,7 +3496,7 @@
               <a:t>​</a:t>
             </a:r>
             <a:br>
-              <a:rPr lang="en-US" sz="2400" b="0" i="0">
+              <a:rPr lang="en-US" sz="2400" b="0" i="0" dirty="0">
                 <a:solidFill>
                   <a:srgbClr val="000000"/>
                 </a:solidFill>
@@ -3506,7 +3505,7 @@
               </a:rPr>
             </a:br>
             <a:r>
-              <a:rPr lang="en-US" sz="2400" b="0" i="0" u="none" strike="noStrike">
+              <a:rPr lang="en-US" sz="2400" b="0" i="0" u="none" strike="noStrike" dirty="0">
                 <a:solidFill>
                   <a:srgbClr val="000000"/>
                 </a:solidFill>
@@ -3516,7 +3515,7 @@
               <a:t>“Our rockets are </a:t>
             </a:r>
             <a:r>
-              <a:rPr lang="en-US" sz="2400" b="1" i="0" u="none" strike="noStrike">
+              <a:rPr lang="en-US" sz="2400" b="1" i="0" u="none" strike="noStrike" dirty="0">
                 <a:solidFill>
                   <a:srgbClr val="000000"/>
                 </a:solidFill>
@@ -3526,7 +3525,7 @@
               <a:t>accurate</a:t>
             </a:r>
             <a:r>
-              <a:rPr lang="en-US" sz="2400" b="0" i="0" u="none" strike="noStrike">
+              <a:rPr lang="en-US" sz="2400" b="0" i="0" u="none" strike="noStrike" dirty="0">
                 <a:solidFill>
                   <a:srgbClr val="000000"/>
                 </a:solidFill>
@@ -3536,7 +3535,7 @@
               <a:t>, trust us”</a:t>
             </a:r>
             <a:r>
-              <a:rPr lang="en-US" sz="2400" b="0" i="0">
+              <a:rPr lang="en-US" sz="2400" b="0" i="0" dirty="0">
                 <a:solidFill>
                   <a:srgbClr val="000000"/>
                 </a:solidFill>
@@ -3545,7 +3544,7 @@
               </a:rPr>
               <a:t>​</a:t>
             </a:r>
-            <a:endParaRPr lang="en-US" b="0" i="0">
+            <a:endParaRPr lang="en-US" b="0" i="0" dirty="0">
               <a:solidFill>
                 <a:srgbClr val="000000"/>
               </a:solidFill>
@@ -3556,7 +3555,7 @@
           <a:p>
             <a:pPr algn="ctr" rtl="0" fontAlgn="base"/>
             <a:r>
-              <a:rPr lang="en-US" sz="2400" b="0" i="0" u="none" strike="noStrike">
+              <a:rPr lang="en-US" sz="2400" b="0" i="0" u="none" strike="noStrike" dirty="0">
                 <a:solidFill>
                   <a:srgbClr val="000000"/>
                 </a:solidFill>
@@ -3565,7 +3564,7 @@
               </a:rPr>
               <a:t>March 28, 2024</a:t>
             </a:r>
-            <a:endParaRPr lang="en-US" b="0" i="0">
+            <a:endParaRPr lang="en-US" b="0" i="0" dirty="0">
               <a:solidFill>
                 <a:srgbClr val="000000"/>
               </a:solidFill>
@@ -3574,7 +3573,7 @@
             </a:endParaRPr>
           </a:p>
           <a:p>
-            <a:endParaRPr lang="en-US"/>
+            <a:endParaRPr lang="en-US" dirty="0"/>
           </a:p>
         </p:txBody>
       </p:sp>
@@ -3635,7 +3634,7 @@
           <a:lstStyle/>
           <a:p>
             <a:r>
-              <a:rPr lang="en-US"/>
+              <a:rPr lang="en-US" dirty="0"/>
               <a:t>Problem 1: Ball</a:t>
             </a:r>
           </a:p>
@@ -3668,84 +3667,84 @@
           <a:lstStyle/>
           <a:p>
             <a:r>
-              <a:rPr lang="en-US"/>
+              <a:rPr lang="en-US" dirty="0"/>
               <a:t>Simple Intro into ODE45</a:t>
             </a:r>
           </a:p>
           <a:p>
             <a:r>
-              <a:rPr lang="en-US"/>
+              <a:rPr lang="en-US" dirty="0"/>
               <a:t>Initial Conditions:</a:t>
             </a:r>
           </a:p>
           <a:p>
             <a:pPr lvl="1"/>
             <a:r>
-              <a:rPr lang="en-US"/>
+              <a:rPr lang="en-US" dirty="0"/>
               <a:t>H</a:t>
             </a:r>
             <a:r>
-              <a:rPr lang="en-US" baseline="-25000"/>
+              <a:rPr lang="en-US" baseline="-25000" dirty="0"/>
               <a:t>0</a:t>
             </a:r>
             <a:r>
-              <a:rPr lang="en-US"/>
+              <a:rPr lang="en-US" dirty="0"/>
               <a:t> = 0 [m]</a:t>
             </a:r>
           </a:p>
           <a:p>
             <a:pPr lvl="1"/>
             <a:r>
-              <a:rPr lang="en-US"/>
+              <a:rPr lang="en-US" dirty="0"/>
               <a:t>V</a:t>
             </a:r>
             <a:r>
-              <a:rPr lang="en-US" baseline="-25000"/>
+              <a:rPr lang="en-US" baseline="-25000" dirty="0"/>
               <a:t>0</a:t>
             </a:r>
             <a:r>
-              <a:rPr lang="en-US"/>
+              <a:rPr lang="en-US" dirty="0"/>
               <a:t> = 200 [m/s] </a:t>
             </a:r>
           </a:p>
           <a:p>
             <a:r>
-              <a:rPr lang="en-US"/>
+              <a:rPr lang="en-US" dirty="0"/>
               <a:t>Derivatives:</a:t>
             </a:r>
           </a:p>
           <a:p>
             <a:pPr lvl="1"/>
             <a:r>
-              <a:rPr lang="en-US"/>
+              <a:rPr lang="en-US" dirty="0"/>
               <a:t>da/dt = 0</a:t>
             </a:r>
           </a:p>
           <a:p>
             <a:pPr lvl="1"/>
             <a:r>
-              <a:rPr lang="en-US"/>
+              <a:rPr lang="en-US" dirty="0"/>
               <a:t>dv/dt = -9.81 [m/s</a:t>
             </a:r>
             <a:r>
-              <a:rPr lang="en-US" baseline="30000"/>
+              <a:rPr lang="en-US" baseline="30000" dirty="0"/>
               <a:t>2</a:t>
             </a:r>
             <a:r>
-              <a:rPr lang="en-US"/>
+              <a:rPr lang="en-US" dirty="0"/>
               <a:t>]</a:t>
             </a:r>
           </a:p>
           <a:p>
             <a:pPr lvl="1"/>
             <a:r>
-              <a:rPr lang="en-US"/>
+              <a:rPr lang="en-US" dirty="0"/>
               <a:t>dh/dt = v [m/s]</a:t>
             </a:r>
             <a:br>
-              <a:rPr lang="en-US"/>
+              <a:rPr lang="en-US" dirty="0"/>
             </a:br>
-            <a:endParaRPr lang="en-US"/>
+            <a:endParaRPr lang="en-US" dirty="0"/>
           </a:p>
         </p:txBody>
       </p:sp>
@@ -3819,7 +3818,7 @@
           <a:lstStyle/>
           <a:p>
             <a:r>
-              <a:rPr lang="fr-FR" sz="1800" b="1" i="0" u="none" strike="noStrike" baseline="0">
+              <a:rPr lang="fr-FR" sz="1800" b="1" i="0" u="none" strike="noStrike" baseline="0" dirty="0">
                 <a:solidFill>
                   <a:srgbClr val="0E00FF"/>
                 </a:solidFill>
@@ -3828,7 +3827,7 @@
               <a:t>function</a:t>
             </a:r>
             <a:r>
-              <a:rPr lang="fr-FR" sz="1800" b="1" i="0" u="none" strike="noStrike" baseline="0">
+              <a:rPr lang="fr-FR" sz="1800" b="1" i="0" u="none" strike="noStrike" baseline="0" dirty="0">
                 <a:solidFill>
                   <a:srgbClr val="000000"/>
                 </a:solidFill>
@@ -3839,7 +3838,7 @@
           </a:p>
           <a:p>
             <a:r>
-              <a:rPr lang="en-US" sz="1800" b="1" i="0" u="none" strike="noStrike" baseline="0">
+              <a:rPr lang="en-US" sz="1800" b="1" i="0" u="none" strike="noStrike" baseline="0" dirty="0">
                 <a:solidFill>
                   <a:srgbClr val="000000"/>
                 </a:solidFill>
@@ -3850,7 +3849,7 @@
           </a:p>
           <a:p>
             <a:r>
-              <a:rPr lang="en-US" sz="1800" b="1" i="0" u="none" strike="noStrike" baseline="0">
+              <a:rPr lang="en-US" sz="1800" b="1" i="0" u="none" strike="noStrike" baseline="0" dirty="0">
                 <a:solidFill>
                   <a:srgbClr val="000000"/>
                 </a:solidFill>
@@ -3861,7 +3860,7 @@
           </a:p>
           <a:p>
             <a:r>
-              <a:rPr lang="en-US" sz="1800" b="1" i="0" u="none" strike="noStrike" baseline="0">
+              <a:rPr lang="en-US" sz="1800" b="1" i="0" u="none" strike="noStrike" baseline="0" dirty="0">
                 <a:solidFill>
                   <a:srgbClr val="000000"/>
                 </a:solidFill>
@@ -3870,7 +3869,7 @@
               <a:t>    </a:t>
             </a:r>
             <a:r>
-              <a:rPr lang="en-US" sz="1800" b="1" i="0" u="none" strike="noStrike" baseline="0" err="1">
+              <a:rPr lang="en-US" sz="1800" b="1" i="0" u="none" strike="noStrike" baseline="0" dirty="0" err="1">
                 <a:solidFill>
                   <a:srgbClr val="000000"/>
                 </a:solidFill>
@@ -3879,7 +3878,7 @@
               <a:t>dxdt</a:t>
             </a:r>
             <a:r>
-              <a:rPr lang="en-US" sz="1800" b="1" i="0" u="none" strike="noStrike" baseline="0">
+              <a:rPr lang="en-US" sz="1800" b="1" i="0" u="none" strike="noStrike" baseline="0" dirty="0">
                 <a:solidFill>
                   <a:srgbClr val="000000"/>
                 </a:solidFill>
@@ -3890,7 +3889,7 @@
           </a:p>
           <a:p>
             <a:r>
-              <a:rPr lang="en-US" sz="1800" b="1" i="0" u="none" strike="noStrike" baseline="0">
+              <a:rPr lang="en-US" sz="1800" b="1" i="0" u="none" strike="noStrike" baseline="0" dirty="0">
                 <a:solidFill>
                   <a:srgbClr val="0E00FF"/>
                 </a:solidFill>
@@ -3899,7 +3898,7 @@
               <a:t>end</a:t>
             </a:r>
             <a:r>
-              <a:rPr lang="en-US" sz="1800" b="1" i="0" u="none" strike="noStrike" baseline="0">
+              <a:rPr lang="en-US" sz="1800" b="1" i="0" u="none" strike="noStrike" baseline="0" dirty="0">
                 <a:solidFill>
                   <a:srgbClr val="000000"/>
                 </a:solidFill>
@@ -3909,7 +3908,7 @@
             </a:r>
           </a:p>
           <a:p>
-            <a:endParaRPr lang="en-US"/>
+            <a:endParaRPr lang="en-US" dirty="0"/>
           </a:p>
         </p:txBody>
       </p:sp>
@@ -4143,14 +4142,14 @@
           <a:lstStyle/>
           <a:p>
             <a:r>
-              <a:rPr lang="en-US"/>
+              <a:rPr lang="en-US" dirty="0"/>
               <a:t>Problem 2: Rocket Launch</a:t>
             </a:r>
           </a:p>
         </p:txBody>
       </p:sp>
-      <mc:AlternateContent xmlns:mc="http://schemas.openxmlformats.org/markup-compatibility/2006">
-        <mc:Choice xmlns:a14="http://schemas.microsoft.com/office/drawing/2010/main" Requires="a14">
+      <mc:AlternateContent xmlns:mc="http://schemas.openxmlformats.org/markup-compatibility/2006" xmlns:a14="http://schemas.microsoft.com/office/drawing/2010/main">
+        <mc:Choice Requires="a14">
           <p:sp>
             <p:nvSpPr>
               <p:cNvPr id="3" name="Content Placeholder 2">
@@ -4180,112 +4179,112 @@
               <a:lstStyle/>
               <a:p>
                 <a:r>
-                  <a:rPr lang="en-US"/>
+                  <a:rPr lang="en-US" dirty="0"/>
                   <a:t>Goal: Simulate a vertical rocket launch using parameters from previous project. </a:t>
                 </a:r>
               </a:p>
               <a:p>
                 <a:pPr lvl="1"/>
                 <a:r>
-                  <a:rPr lang="en-US"/>
+                  <a:rPr lang="en-US" dirty="0"/>
                   <a:t>Frontal Area = 0.5m, Mass loss from burning</a:t>
                 </a:r>
               </a:p>
               <a:p>
                 <a:r>
-                  <a:rPr lang="en-US"/>
+                  <a:rPr lang="en-US" dirty="0"/>
                   <a:t>Custom Functions Used:</a:t>
                 </a:r>
               </a:p>
               <a:p>
                 <a:pPr lvl="1"/>
                 <a:r>
-                  <a:rPr lang="en-US"/>
+                  <a:rPr lang="en-US" dirty="0"/>
                   <a:t>Drag Calculation</a:t>
                 </a:r>
               </a:p>
               <a:p>
                 <a:pPr lvl="1"/>
                 <a:r>
-                  <a:rPr lang="en-US"/>
+                  <a:rPr lang="en-US" dirty="0"/>
                   <a:t>Cd interpolation</a:t>
                 </a:r>
               </a:p>
               <a:p>
                 <a:pPr lvl="1"/>
                 <a:r>
-                  <a:rPr lang="en-US"/>
+                  <a:rPr lang="en-US" dirty="0"/>
                   <a:t>Atmosphere model</a:t>
                 </a:r>
               </a:p>
               <a:p>
                 <a:r>
-                  <a:rPr lang="en-US"/>
+                  <a:rPr lang="en-US" dirty="0"/>
                   <a:t>Initial Conditions:</a:t>
                 </a:r>
               </a:p>
               <a:p>
                 <a:pPr lvl="1"/>
                 <a:r>
-                  <a:rPr lang="en-US"/>
+                  <a:rPr lang="en-US" dirty="0"/>
                   <a:t>H</a:t>
                 </a:r>
                 <a:r>
-                  <a:rPr lang="en-US" baseline="-25000"/>
+                  <a:rPr lang="en-US" baseline="-25000" dirty="0"/>
                   <a:t>0</a:t>
                 </a:r>
                 <a:r>
-                  <a:rPr lang="en-US"/>
+                  <a:rPr lang="en-US" dirty="0"/>
                   <a:t> = 0 [m]</a:t>
                 </a:r>
               </a:p>
               <a:p>
                 <a:pPr lvl="1"/>
                 <a:r>
-                  <a:rPr lang="en-US"/>
+                  <a:rPr lang="en-US" dirty="0"/>
                   <a:t>V</a:t>
                 </a:r>
                 <a:r>
-                  <a:rPr lang="en-US" baseline="-25000"/>
+                  <a:rPr lang="en-US" baseline="-25000" dirty="0"/>
                   <a:t>0</a:t>
                 </a:r>
                 <a:r>
-                  <a:rPr lang="en-US"/>
+                  <a:rPr lang="en-US" dirty="0"/>
                   <a:t> = 0 [m/s] </a:t>
                 </a:r>
               </a:p>
               <a:p>
                 <a:pPr lvl="1"/>
                 <a:r>
-                  <a:rPr lang="en-US"/>
+                  <a:rPr lang="en-US" dirty="0"/>
                   <a:t>M</a:t>
                 </a:r>
                 <a:r>
-                  <a:rPr lang="en-US" baseline="-25000"/>
+                  <a:rPr lang="en-US" baseline="-25000" dirty="0"/>
                   <a:t>0 </a:t>
                 </a:r>
                 <a:r>
-                  <a:rPr lang="en-US"/>
+                  <a:rPr lang="en-US" dirty="0"/>
                   <a:t>= 1167.2 [kg]</a:t>
                 </a:r>
               </a:p>
               <a:p>
                 <a:r>
-                  <a:rPr lang="en-US"/>
+                  <a:rPr lang="en-US" dirty="0"/>
                   <a:t>Derivatives:</a:t>
                 </a:r>
               </a:p>
               <a:p>
                 <a:pPr lvl="1"/>
                 <a:r>
-                  <a:rPr lang="en-US"/>
+                  <a:rPr lang="en-US" dirty="0"/>
                   <a:t>da/dt = 0</a:t>
                 </a:r>
               </a:p>
               <a:p>
                 <a:pPr lvl="1"/>
                 <a:r>
-                  <a:rPr lang="en-US"/>
+                  <a:rPr lang="en-US" dirty="0"/>
                   <a:t>dv/dt = </a:t>
                 </a:r>
                 <a14:m>
@@ -4347,52 +4346,52 @@
                   </m:oMath>
                 </a14:m>
                 <a:r>
-                  <a:rPr lang="en-US"/>
+                  <a:rPr lang="en-US" dirty="0"/>
                   <a:t> [m/s</a:t>
                 </a:r>
                 <a:r>
-                  <a:rPr lang="en-US" baseline="30000"/>
+                  <a:rPr lang="en-US" baseline="30000" dirty="0"/>
                   <a:t>2</a:t>
                 </a:r>
                 <a:r>
-                  <a:rPr lang="en-US"/>
+                  <a:rPr lang="en-US" dirty="0"/>
                   <a:t>]</a:t>
                 </a:r>
               </a:p>
               <a:p>
                 <a:pPr lvl="1"/>
                 <a:r>
-                  <a:rPr lang="en-US"/>
+                  <a:rPr lang="en-US" dirty="0"/>
                   <a:t>dh/dt = v [m/s]</a:t>
                 </a:r>
               </a:p>
               <a:p>
                 <a:pPr lvl="1"/>
                 <a:r>
-                  <a:rPr lang="en-US"/>
+                  <a:rPr lang="en-US" dirty="0"/>
                   <a:t>dm/dt = -1.154 [kg/s]</a:t>
                 </a:r>
                 <a:r>
-                  <a:rPr lang="en-US" b="1"/>
+                  <a:rPr lang="en-US" b="1" dirty="0"/>
                   <a:t> or </a:t>
                 </a:r>
                 <a:r>
-                  <a:rPr lang="en-US"/>
+                  <a:rPr lang="en-US" dirty="0"/>
                   <a:t>0 [kg/s] if t &gt; </a:t>
                 </a:r>
                 <a:r>
-                  <a:rPr lang="en-US" err="1"/>
+                  <a:rPr lang="en-US" dirty="0" err="1"/>
                   <a:t>tburn</a:t>
                 </a:r>
                 <a:br>
-                  <a:rPr lang="en-US"/>
+                  <a:rPr lang="en-US" dirty="0"/>
                 </a:br>
-                <a:endParaRPr lang="en-US"/>
+                <a:endParaRPr lang="en-US" dirty="0"/>
               </a:p>
             </p:txBody>
           </p:sp>
         </mc:Choice>
-        <mc:Fallback>
+        <mc:Fallback xmlns="">
           <p:sp>
             <p:nvSpPr>
               <p:cNvPr id="3" name="Content Placeholder 2">
@@ -4417,7 +4416,7 @@
               <a:blipFill>
                 <a:blip r:embed="rId4"/>
                 <a:stretch>
-                  <a:fillRect l="-936" t="-2389"/>
+                  <a:fillRect l="-936" t="-2509"/>
                 </a:stretch>
               </a:blipFill>
             </p:spPr>
@@ -4464,7 +4463,7 @@
           </a:bodyPr>
           <a:lstStyle/>
           <a:p>
-            <a:endParaRPr lang="en-US"/>
+            <a:endParaRPr lang="en-US" dirty="0"/>
           </a:p>
         </p:txBody>
       </p:sp>
@@ -4496,7 +4495,7 @@
           </a:bodyPr>
           <a:lstStyle/>
           <a:p>
-            <a:endParaRPr lang="en-US"/>
+            <a:endParaRPr lang="en-US" dirty="0"/>
           </a:p>
         </p:txBody>
       </p:sp>
@@ -4708,7 +4707,7 @@
               <a:buNone/>
             </a:pPr>
             <a:r>
-              <a:rPr lang="en-US" sz="1050" b="1">
+              <a:rPr lang="en-US" sz="1050" b="1" dirty="0">
                 <a:solidFill>
                   <a:srgbClr val="0E00FF"/>
                 </a:solidFill>
@@ -4717,7 +4716,7 @@
               <a:t>function</a:t>
             </a:r>
             <a:r>
-              <a:rPr lang="en-US" sz="1050" b="1">
+              <a:rPr lang="en-US" sz="1050" b="1" dirty="0">
                 <a:solidFill>
                   <a:srgbClr val="000000"/>
                 </a:solidFill>
@@ -4726,7 +4725,7 @@
               <a:t> [</a:t>
             </a:r>
             <a:r>
-              <a:rPr lang="en-US" sz="1050" b="1" err="1">
+              <a:rPr lang="en-US" sz="1050" b="1" dirty="0" err="1">
                 <a:solidFill>
                   <a:srgbClr val="000000"/>
                 </a:solidFill>
@@ -4735,7 +4734,7 @@
               <a:t>dxdt</a:t>
             </a:r>
             <a:r>
-              <a:rPr lang="en-US" sz="1050" b="1">
+              <a:rPr lang="en-US" sz="1050" b="1" dirty="0">
                 <a:solidFill>
                   <a:srgbClr val="000000"/>
                 </a:solidFill>
@@ -4744,7 +4743,7 @@
               <a:t>, </a:t>
             </a:r>
             <a:r>
-              <a:rPr lang="en-US" sz="1050" b="1" err="1">
+              <a:rPr lang="en-US" sz="1050" b="1" dirty="0" err="1">
                 <a:solidFill>
                   <a:srgbClr val="000000"/>
                 </a:solidFill>
@@ -4753,7 +4752,7 @@
               <a:t>fd</a:t>
             </a:r>
             <a:r>
-              <a:rPr lang="en-US" sz="1050" b="1">
+              <a:rPr lang="en-US" sz="1050" b="1" dirty="0">
                 <a:solidFill>
                   <a:srgbClr val="000000"/>
                 </a:solidFill>
@@ -4762,7 +4761,7 @@
               <a:t>, rho, cd, c, T] = flight(t, x, </a:t>
             </a:r>
             <a:r>
-              <a:rPr lang="en-US" sz="1050" b="1" err="1">
+              <a:rPr lang="en-US" sz="1050" b="1" dirty="0" err="1">
                 <a:solidFill>
                   <a:srgbClr val="000000"/>
                 </a:solidFill>
@@ -4771,7 +4770,7 @@
               <a:t>mdot</a:t>
             </a:r>
             <a:r>
-              <a:rPr lang="en-US" sz="1050" b="1">
+              <a:rPr lang="en-US" sz="1050" b="1" dirty="0">
                 <a:solidFill>
                   <a:srgbClr val="000000"/>
                 </a:solidFill>
@@ -4780,7 +4779,7 @@
               <a:t>, </a:t>
             </a:r>
             <a:r>
-              <a:rPr lang="en-US" sz="1050" b="1" err="1">
+              <a:rPr lang="en-US" sz="1050" b="1" dirty="0" err="1">
                 <a:solidFill>
                   <a:srgbClr val="000000"/>
                 </a:solidFill>
@@ -4789,7 +4788,7 @@
               <a:t>tBurn</a:t>
             </a:r>
             <a:r>
-              <a:rPr lang="en-US" sz="1050" b="1">
+              <a:rPr lang="en-US" sz="1050" b="1" dirty="0">
                 <a:solidFill>
                   <a:srgbClr val="000000"/>
                 </a:solidFill>
@@ -4810,7 +4809,7 @@
               <a:buNone/>
             </a:pPr>
             <a:r>
-              <a:rPr lang="en-US" sz="1050" b="1">
+              <a:rPr lang="en-US" sz="1050" b="1" dirty="0">
                 <a:solidFill>
                   <a:srgbClr val="000000"/>
                 </a:solidFill>
@@ -4831,7 +4830,7 @@
               <a:buNone/>
             </a:pPr>
             <a:r>
-              <a:rPr lang="en-US" sz="1050" b="1">
+              <a:rPr lang="en-US" sz="1050" b="1" dirty="0">
                 <a:solidFill>
                   <a:srgbClr val="000000"/>
                 </a:solidFill>
@@ -4852,7 +4851,7 @@
               <a:buNone/>
             </a:pPr>
             <a:r>
-              <a:rPr lang="en-US" sz="1050" b="1">
+              <a:rPr lang="en-US" sz="1050" b="1" dirty="0">
                 <a:solidFill>
                   <a:srgbClr val="000000"/>
                 </a:solidFill>
@@ -4873,7 +4872,7 @@
               <a:buNone/>
             </a:pPr>
             <a:r>
-              <a:rPr lang="en-US" sz="1050" b="1">
+              <a:rPr lang="en-US" sz="1050" b="1" dirty="0">
                 <a:solidFill>
                   <a:srgbClr val="000000"/>
                 </a:solidFill>
@@ -4894,7 +4893,7 @@
               <a:buNone/>
             </a:pPr>
             <a:r>
-              <a:rPr lang="en-US" sz="1050" b="1">
+              <a:rPr lang="en-US" sz="1050" b="1" dirty="0">
                 <a:solidFill>
                   <a:srgbClr val="000000"/>
                 </a:solidFill>
@@ -4915,7 +4914,7 @@
               <a:buNone/>
             </a:pPr>
             <a:r>
-              <a:rPr lang="en-US" sz="1050" b="1">
+              <a:rPr lang="en-US" sz="1050" b="1" dirty="0">
                 <a:solidFill>
                   <a:srgbClr val="000000"/>
                 </a:solidFill>
@@ -4936,7 +4935,7 @@
               <a:buNone/>
             </a:pPr>
             <a:r>
-              <a:rPr lang="en-US" sz="1050" b="1">
+              <a:rPr lang="en-US" sz="1050" b="1" dirty="0">
                 <a:solidFill>
                   <a:srgbClr val="000000"/>
                 </a:solidFill>
@@ -4957,7 +4956,7 @@
               <a:buNone/>
             </a:pPr>
             <a:r>
-              <a:rPr lang="en-US" sz="1050" b="1">
+              <a:rPr lang="en-US" sz="1050" b="1" dirty="0">
                 <a:solidFill>
                   <a:srgbClr val="000000"/>
                 </a:solidFill>
@@ -4966,7 +4965,7 @@
               <a:t>    [rho, c] = </a:t>
             </a:r>
             <a:r>
-              <a:rPr lang="en-US" sz="1050" b="1" err="1">
+              <a:rPr lang="en-US" sz="1050" b="1" dirty="0" err="1">
                 <a:solidFill>
                   <a:srgbClr val="000000"/>
                 </a:solidFill>
@@ -4975,7 +4974,7 @@
               <a:t>atmosmodel</a:t>
             </a:r>
             <a:r>
-              <a:rPr lang="en-US" sz="1050" b="1">
+              <a:rPr lang="en-US" sz="1050" b="1" dirty="0">
                 <a:solidFill>
                   <a:srgbClr val="000000"/>
                 </a:solidFill>
@@ -4996,7 +4995,7 @@
               <a:buNone/>
             </a:pPr>
             <a:r>
-              <a:rPr lang="en-US" sz="1050" b="1">
+              <a:rPr lang="en-US" sz="1050" b="1" dirty="0">
                 <a:solidFill>
                   <a:srgbClr val="000000"/>
                 </a:solidFill>
@@ -5005,7 +5004,7 @@
               <a:t>    cd = </a:t>
             </a:r>
             <a:r>
-              <a:rPr lang="en-US" sz="1050" b="1" err="1">
+              <a:rPr lang="en-US" sz="1050" b="1" dirty="0" err="1">
                 <a:solidFill>
                   <a:srgbClr val="000000"/>
                 </a:solidFill>
@@ -5014,7 +5013,7 @@
               <a:t>cd_interp</a:t>
             </a:r>
             <a:r>
-              <a:rPr lang="en-US" sz="1050" b="1">
+              <a:rPr lang="en-US" sz="1050" b="1" dirty="0">
                 <a:solidFill>
                   <a:srgbClr val="000000"/>
                 </a:solidFill>
@@ -5023,7 +5022,7 @@
               <a:t>(</a:t>
             </a:r>
             <a:r>
-              <a:rPr lang="en-US" sz="1050" b="1" err="1">
+              <a:rPr lang="en-US" sz="1050" b="1" dirty="0" err="1">
                 <a:solidFill>
                   <a:srgbClr val="000000"/>
                 </a:solidFill>
@@ -5032,7 +5031,7 @@
               <a:t>v,c</a:t>
             </a:r>
             <a:r>
-              <a:rPr lang="en-US" sz="1050" b="1">
+              <a:rPr lang="en-US" sz="1050" b="1" dirty="0">
                 <a:solidFill>
                   <a:srgbClr val="000000"/>
                 </a:solidFill>
@@ -5053,7 +5052,7 @@
               <a:buNone/>
             </a:pPr>
             <a:r>
-              <a:rPr lang="en-US" sz="1050" b="1">
+              <a:rPr lang="en-US" sz="1050" b="1" dirty="0">
                 <a:solidFill>
                   <a:srgbClr val="000000"/>
                 </a:solidFill>
@@ -5062,7 +5061,7 @@
               <a:t>    </a:t>
             </a:r>
             <a:r>
-              <a:rPr lang="en-US" sz="1050" b="1" err="1">
+              <a:rPr lang="en-US" sz="1050" b="1" dirty="0" err="1">
                 <a:solidFill>
                   <a:srgbClr val="000000"/>
                 </a:solidFill>
@@ -5071,7 +5070,7 @@
               <a:t>fd</a:t>
             </a:r>
             <a:r>
-              <a:rPr lang="en-US" sz="1050" b="1">
+              <a:rPr lang="en-US" sz="1050" b="1" dirty="0">
                 <a:solidFill>
                   <a:srgbClr val="000000"/>
                 </a:solidFill>
@@ -5080,7 +5079,7 @@
               <a:t> = drag(</a:t>
             </a:r>
             <a:r>
-              <a:rPr lang="en-US" sz="1050" b="1" err="1">
+              <a:rPr lang="en-US" sz="1050" b="1" dirty="0" err="1">
                 <a:solidFill>
                   <a:srgbClr val="000000"/>
                 </a:solidFill>
@@ -5089,7 +5088,7 @@
               <a:t>rho,v,cd,A</a:t>
             </a:r>
             <a:r>
-              <a:rPr lang="en-US" sz="1050" b="1">
+              <a:rPr lang="en-US" sz="1050" b="1" dirty="0">
                 <a:solidFill>
                   <a:srgbClr val="000000"/>
                 </a:solidFill>
@@ -5110,7 +5109,7 @@
               <a:buNone/>
             </a:pPr>
             <a:r>
-              <a:rPr lang="en-US" sz="1050" b="1">
+              <a:rPr lang="en-US" sz="1050" b="1" dirty="0">
                 <a:solidFill>
                   <a:srgbClr val="000000"/>
                 </a:solidFill>
@@ -5131,7 +5130,7 @@
               <a:buNone/>
             </a:pPr>
             <a:r>
-              <a:rPr lang="en-US" sz="1050" b="1">
+              <a:rPr lang="en-US" sz="1050" b="1" dirty="0">
                 <a:solidFill>
                   <a:srgbClr val="000000"/>
                 </a:solidFill>
@@ -5140,7 +5139,7 @@
               <a:t>    </a:t>
             </a:r>
             <a:r>
-              <a:rPr lang="en-US" sz="1050" b="1">
+              <a:rPr lang="en-US" sz="1050" b="1" dirty="0">
                 <a:solidFill>
                   <a:srgbClr val="0E00FF"/>
                 </a:solidFill>
@@ -5149,7 +5148,7 @@
               <a:t>if</a:t>
             </a:r>
             <a:r>
-              <a:rPr lang="en-US" sz="1050" b="1">
+              <a:rPr lang="en-US" sz="1050" b="1" dirty="0">
                 <a:solidFill>
                   <a:srgbClr val="000000"/>
                 </a:solidFill>
@@ -5158,7 +5157,7 @@
               <a:t> t &gt;= </a:t>
             </a:r>
             <a:r>
-              <a:rPr lang="en-US" sz="1050" b="1" err="1">
+              <a:rPr lang="en-US" sz="1050" b="1" dirty="0" err="1">
                 <a:solidFill>
                   <a:srgbClr val="000000"/>
                 </a:solidFill>
@@ -5166,7 +5165,7 @@
               </a:rPr>
               <a:t>tBurn</a:t>
             </a:r>
-            <a:endParaRPr lang="en-US" sz="1050" b="1">
+            <a:endParaRPr lang="en-US" sz="1050" b="1" dirty="0">
               <a:solidFill>
                 <a:srgbClr val="000000"/>
               </a:solidFill>
@@ -5185,7 +5184,7 @@
               <a:buNone/>
             </a:pPr>
             <a:r>
-              <a:rPr lang="en-US" sz="1050" b="1">
+              <a:rPr lang="en-US" sz="1050" b="1" dirty="0">
                 <a:solidFill>
                   <a:srgbClr val="000000"/>
                 </a:solidFill>
@@ -5206,7 +5205,7 @@
               <a:buNone/>
             </a:pPr>
             <a:r>
-              <a:rPr lang="en-US" sz="1050" b="1">
+              <a:rPr lang="en-US" sz="1050" b="1" dirty="0">
                 <a:solidFill>
                   <a:srgbClr val="000000"/>
                 </a:solidFill>
@@ -5227,7 +5226,7 @@
               <a:buNone/>
             </a:pPr>
             <a:r>
-              <a:rPr lang="en-US" sz="1050" b="1">
+              <a:rPr lang="en-US" sz="1050" b="1" dirty="0">
                 <a:solidFill>
                   <a:srgbClr val="000000"/>
                 </a:solidFill>
@@ -5236,7 +5235,7 @@
               <a:t>    </a:t>
             </a:r>
             <a:r>
-              <a:rPr lang="en-US" sz="1050" b="1">
+              <a:rPr lang="en-US" sz="1050" b="1" dirty="0">
                 <a:solidFill>
                   <a:srgbClr val="0E00FF"/>
                 </a:solidFill>
@@ -5245,7 +5244,7 @@
               <a:t>else</a:t>
             </a:r>
             <a:r>
-              <a:rPr lang="en-US" sz="1050" b="1">
+              <a:rPr lang="en-US" sz="1050" b="1" dirty="0">
                 <a:solidFill>
                   <a:srgbClr val="000000"/>
                 </a:solidFill>
@@ -5266,7 +5265,7 @@
               <a:buNone/>
             </a:pPr>
             <a:r>
-              <a:rPr lang="en-US" sz="1050" b="1">
+              <a:rPr lang="en-US" sz="1050" b="1" dirty="0">
                 <a:solidFill>
                   <a:srgbClr val="000000"/>
                 </a:solidFill>
@@ -5275,7 +5274,7 @@
               <a:t>        dm = </a:t>
             </a:r>
             <a:r>
-              <a:rPr lang="en-US" sz="1050" b="1" err="1">
+              <a:rPr lang="en-US" sz="1050" b="1" dirty="0" err="1">
                 <a:solidFill>
                   <a:srgbClr val="000000"/>
                 </a:solidFill>
@@ -5284,7 +5283,7 @@
               <a:t>mdot</a:t>
             </a:r>
             <a:r>
-              <a:rPr lang="en-US" sz="1050" b="1">
+              <a:rPr lang="en-US" sz="1050" b="1" dirty="0">
                 <a:solidFill>
                   <a:srgbClr val="000000"/>
                 </a:solidFill>
@@ -5305,7 +5304,7 @@
               <a:buNone/>
             </a:pPr>
             <a:r>
-              <a:rPr lang="en-US" sz="1050" b="1">
+              <a:rPr lang="en-US" sz="1050" b="1" dirty="0">
                 <a:solidFill>
                   <a:srgbClr val="000000"/>
                 </a:solidFill>
@@ -5314,7 +5313,7 @@
               <a:t>    </a:t>
             </a:r>
             <a:r>
-              <a:rPr lang="en-US" sz="1050" b="1">
+              <a:rPr lang="en-US" sz="1050" b="1" dirty="0">
                 <a:solidFill>
                   <a:srgbClr val="0E00FF"/>
                 </a:solidFill>
@@ -5323,7 +5322,7 @@
               <a:t>end</a:t>
             </a:r>
             <a:r>
-              <a:rPr lang="en-US" sz="1050" b="1">
+              <a:rPr lang="en-US" sz="1050" b="1" dirty="0">
                 <a:solidFill>
                   <a:srgbClr val="000000"/>
                 </a:solidFill>
@@ -5344,7 +5343,7 @@
               <a:buNone/>
             </a:pPr>
             <a:r>
-              <a:rPr lang="en-US" sz="1050" b="1">
+              <a:rPr lang="en-US" sz="1050" b="1" dirty="0">
                 <a:solidFill>
                   <a:srgbClr val="000000"/>
                 </a:solidFill>
@@ -5365,7 +5364,7 @@
               <a:buNone/>
             </a:pPr>
             <a:r>
-              <a:rPr lang="en-US" sz="1050" b="1">
+              <a:rPr lang="en-US" sz="1050" b="1" dirty="0">
                 <a:solidFill>
                   <a:srgbClr val="000000"/>
                 </a:solidFill>
@@ -5386,7 +5385,7 @@
               <a:buNone/>
             </a:pPr>
             <a:r>
-              <a:rPr lang="en-US" sz="1050" b="1">
+              <a:rPr lang="en-US" sz="1050" b="1" dirty="0">
                 <a:solidFill>
                   <a:srgbClr val="000000"/>
                 </a:solidFill>
@@ -5395,7 +5394,7 @@
               <a:t>    dv = (T + </a:t>
             </a:r>
             <a:r>
-              <a:rPr lang="en-US" sz="1050" b="1" err="1">
+              <a:rPr lang="en-US" sz="1050" b="1" dirty="0" err="1">
                 <a:solidFill>
                   <a:srgbClr val="000000"/>
                 </a:solidFill>
@@ -5404,7 +5403,7 @@
               <a:t>fd</a:t>
             </a:r>
             <a:r>
-              <a:rPr lang="en-US" sz="1050" b="1">
+              <a:rPr lang="en-US" sz="1050" b="1" dirty="0">
                 <a:solidFill>
                   <a:srgbClr val="000000"/>
                 </a:solidFill>
@@ -5425,7 +5424,7 @@
               <a:buNone/>
             </a:pPr>
             <a:r>
-              <a:rPr lang="en-US" sz="1050" b="1">
+              <a:rPr lang="en-US" sz="1050" b="1" dirty="0">
                 <a:solidFill>
                   <a:srgbClr val="000000"/>
                 </a:solidFill>
@@ -5434,7 +5433,7 @@
               <a:t>    </a:t>
             </a:r>
             <a:r>
-              <a:rPr lang="en-US" sz="1050" b="1" err="1">
+              <a:rPr lang="en-US" sz="1050" b="1" dirty="0" err="1">
                 <a:solidFill>
                   <a:srgbClr val="000000"/>
                 </a:solidFill>
@@ -5443,7 +5442,7 @@
               <a:t>dxdt</a:t>
             </a:r>
             <a:r>
-              <a:rPr lang="en-US" sz="1050" b="1">
+              <a:rPr lang="en-US" sz="1050" b="1" dirty="0">
                 <a:solidFill>
                   <a:srgbClr val="000000"/>
                 </a:solidFill>
@@ -5464,7 +5463,7 @@
               <a:buNone/>
             </a:pPr>
             <a:r>
-              <a:rPr lang="en-US" sz="1050" b="1">
+              <a:rPr lang="en-US" sz="1050" b="1" dirty="0">
                 <a:solidFill>
                   <a:srgbClr val="0E00FF"/>
                 </a:solidFill>
@@ -5473,7 +5472,7 @@
               <a:t>end</a:t>
             </a:r>
             <a:r>
-              <a:rPr lang="en-US" sz="1050" b="1">
+              <a:rPr lang="en-US" sz="1050" b="1" dirty="0">
                 <a:solidFill>
                   <a:srgbClr val="000000"/>
                 </a:solidFill>
@@ -5483,14 +5482,14 @@
             </a:r>
           </a:p>
           <a:p>
-            <a:endParaRPr lang="en-US" sz="3200"/>
+            <a:endParaRPr lang="en-US" sz="3200" dirty="0"/>
           </a:p>
           <a:p>
             <a:pPr marL="0" indent="0">
               <a:buFont typeface="Arial" panose="020B0604020202020204" pitchFamily="34" charset="0"/>
               <a:buNone/>
             </a:pPr>
-            <a:endParaRPr lang="en-US" sz="3200"/>
+            <a:endParaRPr lang="en-US" sz="3200" dirty="0"/>
           </a:p>
         </p:txBody>
       </p:sp>
@@ -5719,7 +5718,7 @@
           <a:lstStyle/>
           <a:p>
             <a:r>
-              <a:rPr lang="en-US"/>
+              <a:rPr lang="en-US" dirty="0"/>
               <a:t>Problem 2: Rocket Launch</a:t>
             </a:r>
           </a:p>
@@ -5763,10 +5762,10 @@
       </p:pic>
       <p:pic>
         <p:nvPicPr>
-          <p:cNvPr id="3" name="Picture 2" descr="A graph of body forces&#10;&#10;Description automatically generated">
-            <a:extLst>
-              <a:ext uri="{FF2B5EF4-FFF2-40B4-BE49-F238E27FC236}">
-                <a16:creationId xmlns:a16="http://schemas.microsoft.com/office/drawing/2014/main" id="{AAF3BE9A-2681-E7D6-EF0F-8A75F88D0223}"/>
+          <p:cNvPr id="8" name="Picture 7" descr="A graph of flight profile&#10;&#10;Description automatically generated">
+            <a:extLst>
+              <a:ext uri="{FF2B5EF4-FFF2-40B4-BE49-F238E27FC236}">
+                <a16:creationId xmlns:a16="http://schemas.microsoft.com/office/drawing/2014/main" id="{A2C6E910-D8F8-89D4-B4F5-BAC5450213D0}"/>
               </a:ext>
             </a:extLst>
           </p:cNvPr>
@@ -5783,8 +5782,8 @@
         </p:blipFill>
         <p:spPr>
           <a:xfrm>
-            <a:off x="3902192" y="2115602"/>
-            <a:ext cx="3892525" cy="2916767"/>
+            <a:off x="-1384" y="2120016"/>
+            <a:ext cx="3884058" cy="2912534"/>
           </a:xfrm>
           <a:prstGeom prst="rect">
             <a:avLst/>
@@ -5793,10 +5792,10 @@
       </p:pic>
       <p:pic>
         <p:nvPicPr>
-          <p:cNvPr id="8" name="Picture 7" descr="A graph of flight profile&#10;&#10;Description automatically generated">
-            <a:extLst>
-              <a:ext uri="{FF2B5EF4-FFF2-40B4-BE49-F238E27FC236}">
-                <a16:creationId xmlns:a16="http://schemas.microsoft.com/office/drawing/2014/main" id="{A2C6E910-D8F8-89D4-B4F5-BAC5450213D0}"/>
+          <p:cNvPr id="5" name="Picture 4" descr="A graph of body forces&#10;&#10;Description automatically generated">
+            <a:extLst>
+              <a:ext uri="{FF2B5EF4-FFF2-40B4-BE49-F238E27FC236}">
+                <a16:creationId xmlns:a16="http://schemas.microsoft.com/office/drawing/2014/main" id="{87096009-7167-D45B-A270-044BD25127C7}"/>
               </a:ext>
             </a:extLst>
           </p:cNvPr>
@@ -5806,15 +5805,21 @@
           <p:nvPr/>
         </p:nvPicPr>
         <p:blipFill>
-          <a:blip r:embed="rId4"/>
+          <a:blip r:embed="rId4">
+            <a:extLst>
+              <a:ext uri="{28A0092B-C50C-407E-A947-70E740481C1C}">
+                <a14:useLocalDpi xmlns:a14="http://schemas.microsoft.com/office/drawing/2010/main" val="0"/>
+              </a:ext>
+            </a:extLst>
+          </a:blip>
           <a:stretch>
             <a:fillRect/>
           </a:stretch>
         </p:blipFill>
         <p:spPr>
           <a:xfrm>
-            <a:off x="-1384" y="2120016"/>
-            <a:ext cx="3884058" cy="2912534"/>
+            <a:off x="3856923" y="2120016"/>
+            <a:ext cx="3886200" cy="2913539"/>
           </a:xfrm>
           <a:prstGeom prst="rect">
             <a:avLst/>
@@ -5878,14 +5883,14 @@
           <a:lstStyle/>
           <a:p>
             <a:r>
-              <a:rPr lang="en-US"/>
+              <a:rPr lang="en-US" dirty="0"/>
               <a:t>Problem 3: Rocket Launch + Turning</a:t>
             </a:r>
           </a:p>
         </p:txBody>
       </p:sp>
-      <mc:AlternateContent xmlns:mc="http://schemas.openxmlformats.org/markup-compatibility/2006">
-        <mc:Choice xmlns:a14="http://schemas.microsoft.com/office/drawing/2010/main" Requires="a14">
+      <mc:AlternateContent xmlns:mc="http://schemas.openxmlformats.org/markup-compatibility/2006" xmlns:a14="http://schemas.microsoft.com/office/drawing/2010/main">
+        <mc:Choice Requires="a14">
           <p:sp>
             <p:nvSpPr>
               <p:cNvPr id="3" name="Content Placeholder 2">
@@ -5915,108 +5920,108 @@
               <a:lstStyle/>
               <a:p>
                 <a:r>
-                  <a:rPr lang="en-US"/>
+                  <a:rPr lang="en-US" dirty="0"/>
                   <a:t>Goal: Improve problem 2 to include turning of  the rocket</a:t>
                 </a:r>
               </a:p>
               <a:p>
                 <a:r>
-                  <a:rPr lang="en-US"/>
+                  <a:rPr lang="en-US" dirty="0"/>
                   <a:t>Initial Conditions:</a:t>
                 </a:r>
               </a:p>
               <a:p>
                 <a:pPr lvl="1"/>
                 <a:r>
-                  <a:rPr lang="en-US"/>
+                  <a:rPr lang="en-US" dirty="0"/>
                   <a:t>H</a:t>
                 </a:r>
                 <a:r>
-                  <a:rPr lang="en-US" baseline="-25000"/>
+                  <a:rPr lang="en-US" baseline="-25000" dirty="0"/>
                   <a:t>0</a:t>
                 </a:r>
                 <a:r>
-                  <a:rPr lang="en-US"/>
+                  <a:rPr lang="en-US" dirty="0"/>
                   <a:t> = 0 (m) </a:t>
                 </a:r>
               </a:p>
               <a:p>
                 <a:pPr lvl="1"/>
                 <a:r>
-                  <a:rPr lang="en-US"/>
+                  <a:rPr lang="en-US" dirty="0"/>
                   <a:t>X</a:t>
                 </a:r>
                 <a:r>
-                  <a:rPr lang="en-US" baseline="-25000"/>
+                  <a:rPr lang="en-US" baseline="-25000" dirty="0"/>
                   <a:t>0</a:t>
                 </a:r>
                 <a:r>
-                  <a:rPr lang="en-US"/>
+                  <a:rPr lang="en-US" dirty="0"/>
                   <a:t> = 0 (m) </a:t>
                 </a:r>
               </a:p>
               <a:p>
                 <a:pPr lvl="1"/>
                 <a:r>
-                  <a:rPr lang="en-US"/>
+                  <a:rPr lang="en-US" dirty="0"/>
                   <a:t>V</a:t>
                 </a:r>
                 <a:r>
-                  <a:rPr lang="en-US" baseline="-25000"/>
+                  <a:rPr lang="en-US" baseline="-25000" dirty="0"/>
                   <a:t>0</a:t>
                 </a:r>
                 <a:r>
-                  <a:rPr lang="en-US"/>
+                  <a:rPr lang="en-US" dirty="0"/>
                   <a:t> = 0 (m/s) </a:t>
                 </a:r>
               </a:p>
               <a:p>
                 <a:pPr lvl="1"/>
                 <a:r>
-                  <a:rPr lang="en-US"/>
+                  <a:rPr lang="en-US" dirty="0"/>
                   <a:t>M</a:t>
                 </a:r>
                 <a:r>
-                  <a:rPr lang="en-US" baseline="-25000"/>
+                  <a:rPr lang="en-US" baseline="-25000" dirty="0"/>
                   <a:t>0 </a:t>
                 </a:r>
                 <a:r>
-                  <a:rPr lang="en-US"/>
+                  <a:rPr lang="en-US" dirty="0"/>
                   <a:t>= 1167.2 (kg)</a:t>
                 </a:r>
               </a:p>
               <a:p>
                 <a:pPr lvl="1"/>
                 <a:r>
-                  <a:rPr lang="en-US"/>
+                  <a:rPr lang="en-US" dirty="0"/>
                   <a:t>th</a:t>
                 </a:r>
                 <a:r>
-                  <a:rPr lang="en-US" baseline="-25000"/>
+                  <a:rPr lang="en-US" baseline="-25000" dirty="0"/>
                   <a:t>0 </a:t>
                 </a:r>
                 <a:r>
-                  <a:rPr lang="en-US"/>
+                  <a:rPr lang="en-US" dirty="0"/>
                   <a:t>= 88 (deg)</a:t>
                 </a:r>
               </a:p>
               <a:p>
                 <a:r>
-                  <a:rPr lang="en-US"/>
+                  <a:rPr lang="en-US" dirty="0"/>
                   <a:t>Derivatives:</a:t>
                 </a:r>
               </a:p>
               <a:p>
                 <a:pPr lvl="1"/>
                 <a:r>
-                  <a:rPr lang="en-US"/>
+                  <a:rPr lang="en-US" dirty="0"/>
                   <a:t>da/dt = 0</a:t>
                 </a:r>
               </a:p>
               <a:p>
                 <a:pPr lvl="1"/>
                 <a:r>
-                  <a:rPr lang="en-US"/>
+                  <a:rPr lang="en-US" dirty="0"/>
                   <a:t>dv/dt = </a:t>
                 </a:r>
                 <a14:m>
@@ -6105,78 +6110,78 @@
                   </m:oMath>
                 </a14:m>
                 <a:r>
-                  <a:rPr lang="en-US"/>
+                  <a:rPr lang="en-US" dirty="0"/>
                   <a:t> [m/s</a:t>
                 </a:r>
                 <a:r>
-                  <a:rPr lang="en-US" baseline="30000"/>
+                  <a:rPr lang="en-US" baseline="30000" dirty="0"/>
                   <a:t>2</a:t>
                 </a:r>
                 <a:r>
-                  <a:rPr lang="en-US"/>
+                  <a:rPr lang="en-US" dirty="0"/>
                   <a:t>]</a:t>
                 </a:r>
               </a:p>
               <a:p>
                 <a:pPr lvl="1"/>
                 <a:r>
-                  <a:rPr lang="en-US"/>
+                  <a:rPr lang="en-US" dirty="0"/>
                   <a:t>dh/dt = v*sin(</a:t>
                 </a:r>
                 <a:r>
-                  <a:rPr lang="en-US" err="1"/>
+                  <a:rPr lang="en-US" dirty="0" err="1"/>
                   <a:t>th</a:t>
                 </a:r>
                 <a:r>
-                  <a:rPr lang="en-US"/>
+                  <a:rPr lang="en-US" dirty="0"/>
                   <a:t>) [m/s]</a:t>
                 </a:r>
-                <a:endParaRPr lang="en-US" b="0"/>
+                <a:endParaRPr lang="en-US" b="0" dirty="0"/>
               </a:p>
               <a:p>
                 <a:pPr lvl="1"/>
                 <a:r>
-                  <a:rPr lang="en-US"/>
+                  <a:rPr lang="en-US" dirty="0"/>
                   <a:t>dx/dt = v*cos(</a:t>
                 </a:r>
                 <a:r>
-                  <a:rPr lang="en-US" err="1"/>
+                  <a:rPr lang="en-US" dirty="0" err="1"/>
                   <a:t>th</a:t>
                 </a:r>
                 <a:r>
-                  <a:rPr lang="en-US"/>
+                  <a:rPr lang="en-US" dirty="0"/>
                   <a:t>) [m/s]</a:t>
                 </a:r>
-                <a:endParaRPr lang="en-US" b="0"/>
+                <a:endParaRPr lang="en-US" b="0" dirty="0"/>
               </a:p>
               <a:p>
                 <a:pPr lvl="1"/>
                 <a:r>
-                  <a:rPr lang="en-US"/>
+                  <a:rPr lang="en-US" dirty="0"/>
                   <a:t>dm/dt = -1.154 [kg/s] </a:t>
                 </a:r>
                 <a:r>
-                  <a:rPr lang="en-US" b="1"/>
+                  <a:rPr lang="en-US" b="1" dirty="0"/>
                   <a:t>or </a:t>
                 </a:r>
                 <a:r>
-                  <a:rPr lang="en-US"/>
+                  <a:rPr lang="en-US" dirty="0"/>
                   <a:t>0 [kg/s] if t &gt; </a:t>
                 </a:r>
                 <a:r>
-                  <a:rPr lang="en-US" err="1"/>
+                  <a:rPr lang="en-US" dirty="0" err="1"/>
                   <a:t>tburn</a:t>
                 </a:r>
-                <a:endParaRPr lang="en-US"/>
+                <a:endParaRPr lang="en-US" dirty="0"/>
               </a:p>
               <a:p>
                 <a:pPr lvl="1"/>
                 <a:r>
-                  <a:rPr lang="en-US" err="1"/>
+                  <a:rPr lang="en-US" dirty="0" err="1"/>
                   <a:t>dth</a:t>
                 </a:r>
                 <a:r>
-                  <a:rPr lang="en-US"/>
+                  <a:rPr lang="en-US" dirty="0"/>
                   <a:t>/dt = </a:t>
                 </a:r>
                 <a14:m>
@@ -6265,22 +6270,22 @@
                     </m:r>
                   </m:oMath>
                 </a14:m>
-                <a:endParaRPr lang="en-US"/>
+                <a:endParaRPr lang="en-US" dirty="0"/>
               </a:p>
               <a:p>
                 <a:pPr lvl="1"/>
-                <a:endParaRPr lang="en-US"/>
+                <a:endParaRPr lang="en-US" dirty="0"/>
               </a:p>
               <a:p>
                 <a:pPr marL="0" indent="0">
                   <a:buNone/>
                 </a:pPr>
-                <a:endParaRPr lang="en-US"/>
+                <a:endParaRPr lang="en-US" dirty="0"/>
               </a:p>
             </p:txBody>
           </p:sp>
         </mc:Choice>
-        <mc:Fallback>
+        <mc:Fallback xmlns="">
           <p:sp>
             <p:nvSpPr>
               <p:cNvPr id="3" name="Content Placeholder 2">
@@ -6305,7 +6310,7 @@
               <a:blipFill>
                 <a:blip r:embed="rId2"/>
                 <a:stretch>
-                  <a:fillRect l="-1290" t="-2891" r="-496" b="-1577"/>
+                  <a:fillRect l="-1290" t="-3022" r="-2877" b="-1445"/>
                 </a:stretch>
               </a:blipFill>
             </p:spPr>
@@ -6358,7 +6363,7 @@
           <a:lstStyle/>
           <a:p>
             <a:r>
-              <a:rPr lang="en-US" sz="1000" b="1" i="0" u="none" strike="noStrike" baseline="0">
+              <a:rPr lang="en-US" sz="1000" b="1" i="0" u="none" strike="noStrike" baseline="0" dirty="0">
                 <a:solidFill>
                   <a:srgbClr val="0E00FF"/>
                 </a:solidFill>
@@ -6367,7 +6372,7 @@
               <a:t>function</a:t>
             </a:r>
             <a:r>
-              <a:rPr lang="en-US" sz="1000" b="1" i="0" u="none" strike="noStrike" baseline="0">
+              <a:rPr lang="en-US" sz="1000" b="1" i="0" u="none" strike="noStrike" baseline="0" dirty="0">
                 <a:solidFill>
                   <a:srgbClr val="000000"/>
                 </a:solidFill>
@@ -6376,7 +6381,7 @@
               <a:t> [</a:t>
             </a:r>
             <a:r>
-              <a:rPr lang="en-US" sz="1000" b="1" i="0" u="none" strike="noStrike" baseline="0" err="1">
+              <a:rPr lang="en-US" sz="1000" b="1" i="0" u="none" strike="noStrike" baseline="0" dirty="0" err="1">
                 <a:solidFill>
                   <a:srgbClr val="000000"/>
                 </a:solidFill>
@@ -6385,7 +6390,7 @@
               <a:t>dxdt</a:t>
             </a:r>
             <a:r>
-              <a:rPr lang="en-US" sz="1000" b="1" i="0" u="none" strike="noStrike" baseline="0">
+              <a:rPr lang="en-US" sz="1000" b="1" i="0" u="none" strike="noStrike" baseline="0" dirty="0">
                 <a:solidFill>
                   <a:srgbClr val="000000"/>
                 </a:solidFill>
@@ -6394,7 +6399,7 @@
               <a:t>, </a:t>
             </a:r>
             <a:r>
-              <a:rPr lang="en-US" sz="1000" b="1" i="0" u="none" strike="noStrike" baseline="0" err="1">
+              <a:rPr lang="en-US" sz="1000" b="1" i="0" u="none" strike="noStrike" baseline="0" dirty="0" err="1">
                 <a:solidFill>
                   <a:srgbClr val="000000"/>
                 </a:solidFill>
@@ -6403,7 +6408,7 @@
               <a:t>fd</a:t>
             </a:r>
             <a:r>
-              <a:rPr lang="en-US" sz="1000" b="1" i="0" u="none" strike="noStrike" baseline="0">
+              <a:rPr lang="en-US" sz="1000" b="1" i="0" u="none" strike="noStrike" baseline="0" dirty="0">
                 <a:solidFill>
                   <a:srgbClr val="000000"/>
                 </a:solidFill>
@@ -6412,7 +6417,7 @@
               <a:t>, rho, cd, c, T] = flight(t, x, </a:t>
             </a:r>
             <a:r>
-              <a:rPr lang="en-US" sz="1000" b="1" i="0" u="none" strike="noStrike" baseline="0" err="1">
+              <a:rPr lang="en-US" sz="1000" b="1" i="0" u="none" strike="noStrike" baseline="0" dirty="0" err="1">
                 <a:solidFill>
                   <a:srgbClr val="000000"/>
                 </a:solidFill>
@@ -6421,7 +6426,7 @@
               <a:t>mdot</a:t>
             </a:r>
             <a:r>
-              <a:rPr lang="en-US" sz="1000" b="1" i="0" u="none" strike="noStrike" baseline="0">
+              <a:rPr lang="en-US" sz="1000" b="1" i="0" u="none" strike="noStrike" baseline="0" dirty="0">
                 <a:solidFill>
                   <a:srgbClr val="000000"/>
                 </a:solidFill>
@@ -6430,7 +6435,7 @@
               <a:t>, </a:t>
             </a:r>
             <a:r>
-              <a:rPr lang="en-US" sz="1000" b="1" i="0" u="none" strike="noStrike" baseline="0" err="1">
+              <a:rPr lang="en-US" sz="1000" b="1" i="0" u="none" strike="noStrike" baseline="0" dirty="0" err="1">
                 <a:solidFill>
                   <a:srgbClr val="000000"/>
                 </a:solidFill>
@@ -6439,7 +6444,7 @@
               <a:t>tBurn</a:t>
             </a:r>
             <a:r>
-              <a:rPr lang="en-US" sz="1000" b="1" i="0" u="none" strike="noStrike" baseline="0">
+              <a:rPr lang="en-US" sz="1000" b="1" i="0" u="none" strike="noStrike" baseline="0" dirty="0">
                 <a:solidFill>
                   <a:srgbClr val="000000"/>
                 </a:solidFill>
@@ -6450,7 +6455,7 @@
           </a:p>
           <a:p>
             <a:r>
-              <a:rPr lang="en-US" sz="1000" b="1" i="0" u="none" strike="noStrike" baseline="0">
+              <a:rPr lang="en-US" sz="1000" b="1" i="0" u="none" strike="noStrike" baseline="0" dirty="0">
                 <a:solidFill>
                   <a:srgbClr val="000000"/>
                 </a:solidFill>
@@ -6461,7 +6466,7 @@
           </a:p>
           <a:p>
             <a:r>
-              <a:rPr lang="en-US" sz="1000" b="1" i="0" u="none" strike="noStrike" baseline="0">
+              <a:rPr lang="en-US" sz="1000" b="1" i="0" u="none" strike="noStrike" baseline="0" dirty="0">
                 <a:solidFill>
                   <a:srgbClr val="000000"/>
                 </a:solidFill>
@@ -6472,7 +6477,7 @@
           </a:p>
           <a:p>
             <a:r>
-              <a:rPr lang="en-US" sz="1000" b="1" i="0" u="none" strike="noStrike" baseline="0">
+              <a:rPr lang="en-US" sz="1000" b="1" i="0" u="none" strike="noStrike" baseline="0" dirty="0">
                 <a:solidFill>
                   <a:srgbClr val="000000"/>
                 </a:solidFill>
@@ -6483,7 +6488,7 @@
           </a:p>
           <a:p>
             <a:r>
-              <a:rPr lang="en-US" sz="1000" b="1" i="0" u="none" strike="noStrike" baseline="0">
+              <a:rPr lang="en-US" sz="1000" b="1" i="0" u="none" strike="noStrike" baseline="0" dirty="0">
                 <a:solidFill>
                   <a:srgbClr val="000000"/>
                 </a:solidFill>
@@ -6494,7 +6499,7 @@
           </a:p>
           <a:p>
             <a:r>
-              <a:rPr lang="en-US" sz="1000" b="1" i="0" u="none" strike="noStrike" baseline="0">
+              <a:rPr lang="en-US" sz="1000" b="1" i="0" u="none" strike="noStrike" baseline="0" dirty="0">
                 <a:solidFill>
                   <a:srgbClr val="000000"/>
                 </a:solidFill>
@@ -6503,7 +6508,7 @@
               <a:t>    </a:t>
             </a:r>
             <a:r>
-              <a:rPr lang="en-US" sz="1000" b="1" i="0" u="none" strike="noStrike" baseline="0" err="1">
+              <a:rPr lang="en-US" sz="1000" b="1" i="0" u="none" strike="noStrike" baseline="0" dirty="0" err="1">
                 <a:solidFill>
                   <a:srgbClr val="000000"/>
                 </a:solidFill>
@@ -6512,7 +6517,7 @@
               <a:t>m_cst</a:t>
             </a:r>
             <a:r>
-              <a:rPr lang="en-US" sz="1000" b="1" i="0" u="none" strike="noStrike" baseline="0">
+              <a:rPr lang="en-US" sz="1000" b="1" i="0" u="none" strike="noStrike" baseline="0" dirty="0">
                 <a:solidFill>
                   <a:srgbClr val="000000"/>
                 </a:solidFill>
@@ -6523,7 +6528,7 @@
           </a:p>
           <a:p>
             <a:r>
-              <a:rPr lang="en-US" sz="1000" b="1" i="0" u="none" strike="noStrike" baseline="0">
+              <a:rPr lang="en-US" sz="1000" b="1" i="0" u="none" strike="noStrike" baseline="0" dirty="0">
                 <a:solidFill>
                   <a:srgbClr val="000000"/>
                 </a:solidFill>
@@ -6534,7 +6539,7 @@
           </a:p>
           <a:p>
             <a:r>
-              <a:rPr lang="en-US" sz="1000" b="1" i="0" u="none" strike="noStrike" baseline="0">
+              <a:rPr lang="en-US" sz="1000" b="1" i="0" u="none" strike="noStrike" baseline="0" dirty="0">
                 <a:solidFill>
                   <a:srgbClr val="000000"/>
                 </a:solidFill>
@@ -6545,7 +6550,7 @@
           </a:p>
           <a:p>
             <a:r>
-              <a:rPr lang="en-US" sz="1000" b="1" i="0" u="none" strike="noStrike" baseline="0">
+              <a:rPr lang="en-US" sz="1000" b="1" i="0" u="none" strike="noStrike" baseline="0" dirty="0">
                 <a:solidFill>
                   <a:srgbClr val="000000"/>
                 </a:solidFill>
@@ -6556,7 +6561,7 @@
           </a:p>
           <a:p>
             <a:r>
-              <a:rPr lang="en-US" sz="1000" b="1" i="0" u="none" strike="noStrike" baseline="0">
+              <a:rPr lang="en-US" sz="1000" b="1" i="0" u="none" strike="noStrike" baseline="0" dirty="0">
                 <a:solidFill>
                   <a:srgbClr val="000000"/>
                 </a:solidFill>
@@ -6567,7 +6572,7 @@
           </a:p>
           <a:p>
             <a:r>
-              <a:rPr lang="en-US" sz="1000" b="1" i="0" u="none" strike="noStrike" baseline="0">
+              <a:rPr lang="en-US" sz="1000" b="1" i="0" u="none" strike="noStrike" baseline="0" dirty="0">
                 <a:solidFill>
                   <a:srgbClr val="000000"/>
                 </a:solidFill>
@@ -6576,7 +6581,7 @@
               <a:t>    </a:t>
             </a:r>
             <a:r>
-              <a:rPr lang="en-US" sz="1000" b="1" i="0" u="none" strike="noStrike" baseline="0" err="1">
+              <a:rPr lang="en-US" sz="1000" b="1" i="0" u="none" strike="noStrike" baseline="0" dirty="0" err="1">
                 <a:solidFill>
                   <a:srgbClr val="000000"/>
                 </a:solidFill>
@@ -6585,7 +6590,7 @@
               <a:t>th</a:t>
             </a:r>
             <a:r>
-              <a:rPr lang="en-US" sz="1000" b="1" i="0" u="none" strike="noStrike" baseline="0">
+              <a:rPr lang="en-US" sz="1000" b="1" i="0" u="none" strike="noStrike" baseline="0" dirty="0">
                 <a:solidFill>
                   <a:srgbClr val="000000"/>
                 </a:solidFill>
@@ -6596,7 +6601,7 @@
           </a:p>
           <a:p>
             <a:r>
-              <a:rPr lang="en-US" sz="1000" b="1" i="0" u="none" strike="noStrike" baseline="0">
+              <a:rPr lang="en-US" sz="1000" b="1" i="0" u="none" strike="noStrike" baseline="0" dirty="0">
                 <a:solidFill>
                   <a:srgbClr val="000000"/>
                 </a:solidFill>
@@ -6607,7 +6612,7 @@
           </a:p>
           <a:p>
             <a:r>
-              <a:rPr lang="en-US" sz="1000" b="1" i="0" u="none" strike="noStrike" baseline="0">
+              <a:rPr lang="en-US" sz="1000" b="1" i="0" u="none" strike="noStrike" baseline="0" dirty="0">
                 <a:solidFill>
                   <a:srgbClr val="000000"/>
                 </a:solidFill>
@@ -6616,7 +6621,7 @@
               <a:t>    [rho, c] = </a:t>
             </a:r>
             <a:r>
-              <a:rPr lang="en-US" sz="1000" b="1" i="0" u="none" strike="noStrike" baseline="0" err="1">
+              <a:rPr lang="en-US" sz="1000" b="1" i="0" u="none" strike="noStrike" baseline="0" dirty="0" err="1">
                 <a:solidFill>
                   <a:srgbClr val="000000"/>
                 </a:solidFill>
@@ -6625,7 +6630,7 @@
               <a:t>atmosmodel</a:t>
             </a:r>
             <a:r>
-              <a:rPr lang="en-US" sz="1000" b="1" i="0" u="none" strike="noStrike" baseline="0">
+              <a:rPr lang="en-US" sz="1000" b="1" i="0" u="none" strike="noStrike" baseline="0" dirty="0">
                 <a:solidFill>
                   <a:srgbClr val="000000"/>
                 </a:solidFill>
@@ -6636,7 +6641,7 @@
           </a:p>
           <a:p>
             <a:r>
-              <a:rPr lang="en-US" sz="1000" b="1" i="0" u="none" strike="noStrike" baseline="0">
+              <a:rPr lang="en-US" sz="1000" b="1" i="0" u="none" strike="noStrike" baseline="0" dirty="0">
                 <a:solidFill>
                   <a:srgbClr val="000000"/>
                 </a:solidFill>
@@ -6645,7 +6650,7 @@
               <a:t>    cd = </a:t>
             </a:r>
             <a:r>
-              <a:rPr lang="en-US" sz="1000" b="1" i="0" u="none" strike="noStrike" baseline="0" err="1">
+              <a:rPr lang="en-US" sz="1000" b="1" i="0" u="none" strike="noStrike" baseline="0" dirty="0" err="1">
                 <a:solidFill>
                   <a:srgbClr val="000000"/>
                 </a:solidFill>
@@ -6654,7 +6659,7 @@
               <a:t>cd_interp</a:t>
             </a:r>
             <a:r>
-              <a:rPr lang="en-US" sz="1000" b="1" i="0" u="none" strike="noStrike" baseline="0">
+              <a:rPr lang="en-US" sz="1000" b="1" i="0" u="none" strike="noStrike" baseline="0" dirty="0">
                 <a:solidFill>
                   <a:srgbClr val="000000"/>
                 </a:solidFill>
@@ -6663,7 +6668,7 @@
               <a:t>(</a:t>
             </a:r>
             <a:r>
-              <a:rPr lang="en-US" sz="1000" b="1" i="0" u="none" strike="noStrike" baseline="0" err="1">
+              <a:rPr lang="en-US" sz="1000" b="1" i="0" u="none" strike="noStrike" baseline="0" dirty="0" err="1">
                 <a:solidFill>
                   <a:srgbClr val="000000"/>
                 </a:solidFill>
@@ -6672,7 +6677,7 @@
               <a:t>v,c</a:t>
             </a:r>
             <a:r>
-              <a:rPr lang="en-US" sz="1000" b="1" i="0" u="none" strike="noStrike" baseline="0">
+              <a:rPr lang="en-US" sz="1000" b="1" i="0" u="none" strike="noStrike" baseline="0" dirty="0">
                 <a:solidFill>
                   <a:srgbClr val="000000"/>
                 </a:solidFill>
@@ -6683,7 +6688,7 @@
           </a:p>
           <a:p>
             <a:r>
-              <a:rPr lang="en-US" sz="1000" b="1" i="0" u="none" strike="noStrike" baseline="0">
+              <a:rPr lang="en-US" sz="1000" b="1" i="0" u="none" strike="noStrike" baseline="0" dirty="0">
                 <a:solidFill>
                   <a:srgbClr val="000000"/>
                 </a:solidFill>
@@ -6692,7 +6697,7 @@
               <a:t>    </a:t>
             </a:r>
             <a:r>
-              <a:rPr lang="en-US" sz="1000" b="1" i="0" u="none" strike="noStrike" baseline="0" err="1">
+              <a:rPr lang="en-US" sz="1000" b="1" i="0" u="none" strike="noStrike" baseline="0" dirty="0" err="1">
                 <a:solidFill>
                   <a:srgbClr val="000000"/>
                 </a:solidFill>
@@ -6701,7 +6706,7 @@
               <a:t>fd</a:t>
             </a:r>
             <a:r>
-              <a:rPr lang="en-US" sz="1000" b="1" i="0" u="none" strike="noStrike" baseline="0">
+              <a:rPr lang="en-US" sz="1000" b="1" i="0" u="none" strike="noStrike" baseline="0" dirty="0">
                 <a:solidFill>
                   <a:srgbClr val="000000"/>
                 </a:solidFill>
@@ -6710,7 +6715,7 @@
               <a:t> = drag(</a:t>
             </a:r>
             <a:r>
-              <a:rPr lang="en-US" sz="1000" b="1" i="0" u="none" strike="noStrike" baseline="0" err="1">
+              <a:rPr lang="en-US" sz="1000" b="1" i="0" u="none" strike="noStrike" baseline="0" dirty="0" err="1">
                 <a:solidFill>
                   <a:srgbClr val="000000"/>
                 </a:solidFill>
@@ -6719,7 +6724,7 @@
               <a:t>rho,v,cd,A</a:t>
             </a:r>
             <a:r>
-              <a:rPr lang="en-US" sz="1000" b="1" i="0" u="none" strike="noStrike" baseline="0">
+              <a:rPr lang="en-US" sz="1000" b="1" i="0" u="none" strike="noStrike" baseline="0" dirty="0">
                 <a:solidFill>
                   <a:srgbClr val="000000"/>
                 </a:solidFill>
@@ -6730,7 +6735,7 @@
           </a:p>
           <a:p>
             <a:r>
-              <a:rPr lang="en-US" sz="1000" b="1" i="0" u="none" strike="noStrike" baseline="0">
+              <a:rPr lang="en-US" sz="1000" b="1" i="0" u="none" strike="noStrike" baseline="0" dirty="0">
                 <a:solidFill>
                   <a:srgbClr val="000000"/>
                 </a:solidFill>
@@ -6741,7 +6746,7 @@
           </a:p>
           <a:p>
             <a:r>
-              <a:rPr lang="en-US" sz="1000" b="1" i="0" u="none" strike="noStrike" baseline="0">
+              <a:rPr lang="en-US" sz="1000" b="1" i="0" u="none" strike="noStrike" baseline="0" dirty="0">
                 <a:solidFill>
                   <a:srgbClr val="000000"/>
                 </a:solidFill>
@@ -6750,7 +6755,7 @@
               <a:t>    </a:t>
             </a:r>
             <a:r>
-              <a:rPr lang="en-US" sz="1000" b="1" i="0" u="none" strike="noStrike" baseline="0">
+              <a:rPr lang="en-US" sz="1000" b="1" i="0" u="none" strike="noStrike" baseline="0" dirty="0">
                 <a:solidFill>
                   <a:srgbClr val="0E00FF"/>
                 </a:solidFill>
@@ -6759,7 +6764,7 @@
               <a:t>if</a:t>
             </a:r>
             <a:r>
-              <a:rPr lang="en-US" sz="1000" b="1" i="0" u="none" strike="noStrike" baseline="0">
+              <a:rPr lang="en-US" sz="1000" b="1" i="0" u="none" strike="noStrike" baseline="0" dirty="0">
                 <a:solidFill>
                   <a:srgbClr val="000000"/>
                 </a:solidFill>
@@ -6768,7 +6773,7 @@
               <a:t> t &gt;= </a:t>
             </a:r>
             <a:r>
-              <a:rPr lang="en-US" sz="1000" b="1" i="0" u="none" strike="noStrike" baseline="0" err="1">
+              <a:rPr lang="en-US" sz="1000" b="1" i="0" u="none" strike="noStrike" baseline="0" dirty="0" err="1">
                 <a:solidFill>
                   <a:srgbClr val="000000"/>
                 </a:solidFill>
@@ -6776,7 +6781,7 @@
               </a:rPr>
               <a:t>tBurn</a:t>
             </a:r>
-            <a:endParaRPr lang="en-US" sz="1000" b="1" i="0" u="none" strike="noStrike" baseline="0">
+            <a:endParaRPr lang="en-US" sz="1000" b="1" i="0" u="none" strike="noStrike" baseline="0" dirty="0">
               <a:solidFill>
                 <a:srgbClr val="000000"/>
               </a:solidFill>
@@ -6785,7 +6790,7 @@
           </a:p>
           <a:p>
             <a:r>
-              <a:rPr lang="en-US" sz="1000" b="1" i="0" u="none" strike="noStrike" baseline="0">
+              <a:rPr lang="en-US" sz="1000" b="1" i="0" u="none" strike="noStrike" baseline="0" dirty="0">
                 <a:solidFill>
                   <a:srgbClr val="000000"/>
                 </a:solidFill>
@@ -6796,7 +6801,7 @@
           </a:p>
           <a:p>
             <a:r>
-              <a:rPr lang="en-US" sz="1000" b="1" i="0" u="none" strike="noStrike" baseline="0">
+              <a:rPr lang="en-US" sz="1000" b="1" i="0" u="none" strike="noStrike" baseline="0" dirty="0">
                 <a:solidFill>
                   <a:srgbClr val="000000"/>
                 </a:solidFill>
@@ -6807,7 +6812,7 @@
           </a:p>
           <a:p>
             <a:r>
-              <a:rPr lang="en-US" sz="1000" b="1" i="0" u="none" strike="noStrike" baseline="0">
+              <a:rPr lang="en-US" sz="1000" b="1" i="0" u="none" strike="noStrike" baseline="0" dirty="0">
                 <a:solidFill>
                   <a:srgbClr val="000000"/>
                 </a:solidFill>
@@ -6816,7 +6821,7 @@
               <a:t>    </a:t>
             </a:r>
             <a:r>
-              <a:rPr lang="en-US" sz="1000" b="1" i="0" u="none" strike="noStrike" baseline="0">
+              <a:rPr lang="en-US" sz="1000" b="1" i="0" u="none" strike="noStrike" baseline="0" dirty="0">
                 <a:solidFill>
                   <a:srgbClr val="0E00FF"/>
                 </a:solidFill>
@@ -6825,7 +6830,7 @@
               <a:t>else</a:t>
             </a:r>
             <a:r>
-              <a:rPr lang="en-US" sz="1000" b="1" i="0" u="none" strike="noStrike" baseline="0">
+              <a:rPr lang="en-US" sz="1000" b="1" i="0" u="none" strike="noStrike" baseline="0" dirty="0">
                 <a:solidFill>
                   <a:srgbClr val="000000"/>
                 </a:solidFill>
@@ -6836,7 +6841,7 @@
           </a:p>
           <a:p>
             <a:r>
-              <a:rPr lang="en-US" sz="1000" b="1" i="0" u="none" strike="noStrike" baseline="0">
+              <a:rPr lang="en-US" sz="1000" b="1" i="0" u="none" strike="noStrike" baseline="0" dirty="0">
                 <a:solidFill>
                   <a:srgbClr val="000000"/>
                 </a:solidFill>
@@ -6845,7 +6850,7 @@
               <a:t>        dm = </a:t>
             </a:r>
             <a:r>
-              <a:rPr lang="en-US" sz="1000" b="1" i="0" u="none" strike="noStrike" baseline="0" err="1">
+              <a:rPr lang="en-US" sz="1000" b="1" i="0" u="none" strike="noStrike" baseline="0" dirty="0" err="1">
                 <a:solidFill>
                   <a:srgbClr val="000000"/>
                 </a:solidFill>
@@ -6854,7 +6859,7 @@
               <a:t>mdot</a:t>
             </a:r>
             <a:r>
-              <a:rPr lang="en-US" sz="1000" b="1" i="0" u="none" strike="noStrike" baseline="0">
+              <a:rPr lang="en-US" sz="1000" b="1" i="0" u="none" strike="noStrike" baseline="0" dirty="0">
                 <a:solidFill>
                   <a:srgbClr val="000000"/>
                 </a:solidFill>
@@ -6865,7 +6870,7 @@
           </a:p>
           <a:p>
             <a:r>
-              <a:rPr lang="en-US" sz="1000" b="1" i="0" u="none" strike="noStrike" baseline="0">
+              <a:rPr lang="en-US" sz="1000" b="1" i="0" u="none" strike="noStrike" baseline="0" dirty="0">
                 <a:solidFill>
                   <a:srgbClr val="000000"/>
                 </a:solidFill>
@@ -6874,7 +6879,7 @@
               <a:t>    </a:t>
             </a:r>
             <a:r>
-              <a:rPr lang="en-US" sz="1000" b="1" i="0" u="none" strike="noStrike" baseline="0">
+              <a:rPr lang="en-US" sz="1000" b="1" i="0" u="none" strike="noStrike" baseline="0" dirty="0">
                 <a:solidFill>
                   <a:srgbClr val="0E00FF"/>
                 </a:solidFill>
@@ -6883,7 +6888,7 @@
               <a:t>end</a:t>
             </a:r>
             <a:r>
-              <a:rPr lang="en-US" sz="1000" b="1" i="0" u="none" strike="noStrike" baseline="0">
+              <a:rPr lang="en-US" sz="1000" b="1" i="0" u="none" strike="noStrike" baseline="0" dirty="0">
                 <a:solidFill>
                   <a:srgbClr val="000000"/>
                 </a:solidFill>
@@ -6894,7 +6899,7 @@
           </a:p>
           <a:p>
             <a:r>
-              <a:rPr lang="en-US" sz="1000" b="1" i="0" u="none" strike="noStrike" baseline="0">
+              <a:rPr lang="en-US" sz="1000" b="1" i="0" u="none" strike="noStrike" baseline="0" dirty="0">
                 <a:solidFill>
                   <a:srgbClr val="000000"/>
                 </a:solidFill>
@@ -6905,7 +6910,7 @@
           </a:p>
           <a:p>
             <a:r>
-              <a:rPr lang="en-US" sz="1000" b="1" i="0" u="none" strike="noStrike" baseline="0">
+              <a:rPr lang="en-US" sz="1000" b="1" i="0" u="none" strike="noStrike" baseline="0" dirty="0">
                 <a:solidFill>
                   <a:srgbClr val="000000"/>
                 </a:solidFill>
@@ -6914,7 +6919,7 @@
               <a:t>    dh = v*</a:t>
             </a:r>
             <a:r>
-              <a:rPr lang="en-US" sz="1000" b="1" i="0" u="none" strike="noStrike" baseline="0" err="1">
+              <a:rPr lang="en-US" sz="1000" b="1" i="0" u="none" strike="noStrike" baseline="0" dirty="0" err="1">
                 <a:solidFill>
                   <a:srgbClr val="000000"/>
                 </a:solidFill>
@@ -6923,7 +6928,7 @@
               <a:t>sind</a:t>
             </a:r>
             <a:r>
-              <a:rPr lang="en-US" sz="1000" b="1" i="0" u="none" strike="noStrike" baseline="0">
+              <a:rPr lang="en-US" sz="1000" b="1" i="0" u="none" strike="noStrike" baseline="0" dirty="0">
                 <a:solidFill>
                   <a:srgbClr val="000000"/>
                 </a:solidFill>
@@ -6932,7 +6937,7 @@
               <a:t>(</a:t>
             </a:r>
             <a:r>
-              <a:rPr lang="en-US" sz="1000" b="1" i="0" u="none" strike="noStrike" baseline="0" err="1">
+              <a:rPr lang="en-US" sz="1000" b="1" i="0" u="none" strike="noStrike" baseline="0" dirty="0" err="1">
                 <a:solidFill>
                   <a:srgbClr val="000000"/>
                 </a:solidFill>
@@ -6941,7 +6946,7 @@
               <a:t>th</a:t>
             </a:r>
             <a:r>
-              <a:rPr lang="en-US" sz="1000" b="1" i="0" u="none" strike="noStrike" baseline="0">
+              <a:rPr lang="en-US" sz="1000" b="1" i="0" u="none" strike="noStrike" baseline="0" dirty="0">
                 <a:solidFill>
                   <a:srgbClr val="000000"/>
                 </a:solidFill>
@@ -6952,7 +6957,7 @@
           </a:p>
           <a:p>
             <a:r>
-              <a:rPr lang="en-US" sz="1000" b="1" i="0" u="none" strike="noStrike" baseline="0">
+              <a:rPr lang="en-US" sz="1000" b="1" i="0" u="none" strike="noStrike" baseline="0" dirty="0">
                 <a:solidFill>
                   <a:srgbClr val="000000"/>
                 </a:solidFill>
@@ -6961,7 +6966,7 @@
               <a:t>    dx = v*</a:t>
             </a:r>
             <a:r>
-              <a:rPr lang="en-US" sz="1000" b="1" i="0" u="none" strike="noStrike" baseline="0" err="1">
+              <a:rPr lang="en-US" sz="1000" b="1" i="0" u="none" strike="noStrike" baseline="0" dirty="0" err="1">
                 <a:solidFill>
                   <a:srgbClr val="000000"/>
                 </a:solidFill>
@@ -6970,7 +6975,7 @@
               <a:t>cosd</a:t>
             </a:r>
             <a:r>
-              <a:rPr lang="en-US" sz="1000" b="1" i="0" u="none" strike="noStrike" baseline="0">
+              <a:rPr lang="en-US" sz="1000" b="1" i="0" u="none" strike="noStrike" baseline="0" dirty="0">
                 <a:solidFill>
                   <a:srgbClr val="000000"/>
                 </a:solidFill>
@@ -6979,7 +6984,7 @@
               <a:t>(</a:t>
             </a:r>
             <a:r>
-              <a:rPr lang="en-US" sz="1000" b="1" i="0" u="none" strike="noStrike" baseline="0" err="1">
+              <a:rPr lang="en-US" sz="1000" b="1" i="0" u="none" strike="noStrike" baseline="0" dirty="0" err="1">
                 <a:solidFill>
                   <a:srgbClr val="000000"/>
                 </a:solidFill>
@@ -6988,7 +6993,7 @@
               <a:t>th</a:t>
             </a:r>
             <a:r>
-              <a:rPr lang="en-US" sz="1000" b="1" i="0" u="none" strike="noStrike" baseline="0">
+              <a:rPr lang="en-US" sz="1000" b="1" i="0" u="none" strike="noStrike" baseline="0" dirty="0">
                 <a:solidFill>
                   <a:srgbClr val="000000"/>
                 </a:solidFill>
@@ -6999,7 +7004,7 @@
           </a:p>
           <a:p>
             <a:r>
-              <a:rPr lang="de-DE" sz="1000" b="1" i="0" u="none" strike="noStrike" baseline="0">
+              <a:rPr lang="de-DE" sz="1000" b="1" i="0" u="none" strike="noStrike" baseline="0" dirty="0">
                 <a:solidFill>
                   <a:srgbClr val="000000"/>
                 </a:solidFill>
@@ -7010,7 +7015,7 @@
           </a:p>
           <a:p>
             <a:r>
-              <a:rPr lang="en-US" sz="1000" b="1" i="0" u="none" strike="noStrike" baseline="0">
+              <a:rPr lang="en-US" sz="1000" b="1" i="0" u="none" strike="noStrike" baseline="0" dirty="0">
                 <a:solidFill>
                   <a:srgbClr val="000000"/>
                 </a:solidFill>
@@ -7019,7 +7024,7 @@
               <a:t>    </a:t>
             </a:r>
             <a:r>
-              <a:rPr lang="en-US" sz="1000" b="1" i="0" u="none" strike="noStrike" baseline="0" err="1">
+              <a:rPr lang="en-US" sz="1000" b="1" i="0" u="none" strike="noStrike" baseline="0" dirty="0" err="1">
                 <a:solidFill>
                   <a:srgbClr val="000000"/>
                 </a:solidFill>
@@ -7028,7 +7033,7 @@
               <a:t>dth</a:t>
             </a:r>
             <a:r>
-              <a:rPr lang="en-US" sz="1000" b="1" i="0" u="none" strike="noStrike" baseline="0">
+              <a:rPr lang="en-US" sz="1000" b="1" i="0" u="none" strike="noStrike" baseline="0" dirty="0">
                 <a:solidFill>
                   <a:srgbClr val="000000"/>
                 </a:solidFill>
@@ -7037,7 +7042,7 @@
               <a:t> = </a:t>
             </a:r>
             <a:r>
-              <a:rPr lang="en-US" sz="1000" b="1" i="0" u="none" strike="noStrike" baseline="0" err="1">
+              <a:rPr lang="en-US" sz="1000" b="1" i="0" u="none" strike="noStrike" baseline="0" dirty="0" err="1">
                 <a:solidFill>
                   <a:srgbClr val="000000"/>
                 </a:solidFill>
@@ -7046,7 +7051,7 @@
               <a:t>m_cst</a:t>
             </a:r>
             <a:r>
-              <a:rPr lang="en-US" sz="1000" b="1" i="0" u="none" strike="noStrike" baseline="0">
+              <a:rPr lang="en-US" sz="1000" b="1" i="0" u="none" strike="noStrike" baseline="0" dirty="0">
                 <a:solidFill>
                   <a:srgbClr val="000000"/>
                 </a:solidFill>
@@ -7055,7 +7060,7 @@
               <a:t>*(-(g*</a:t>
             </a:r>
             <a:r>
-              <a:rPr lang="en-US" sz="1000" b="1" i="0" u="none" strike="noStrike" baseline="0" err="1">
+              <a:rPr lang="en-US" sz="1000" b="1" i="0" u="none" strike="noStrike" baseline="0" dirty="0" err="1">
                 <a:solidFill>
                   <a:srgbClr val="000000"/>
                 </a:solidFill>
@@ -7064,7 +7069,7 @@
               <a:t>cosd</a:t>
             </a:r>
             <a:r>
-              <a:rPr lang="en-US" sz="1000" b="1" i="0" u="none" strike="noStrike" baseline="0">
+              <a:rPr lang="en-US" sz="1000" b="1" i="0" u="none" strike="noStrike" baseline="0" dirty="0">
                 <a:solidFill>
                   <a:srgbClr val="000000"/>
                 </a:solidFill>
@@ -7073,7 +7078,7 @@
               <a:t>(</a:t>
             </a:r>
             <a:r>
-              <a:rPr lang="en-US" sz="1000" b="1" i="0" u="none" strike="noStrike" baseline="0" err="1">
+              <a:rPr lang="en-US" sz="1000" b="1" i="0" u="none" strike="noStrike" baseline="0" dirty="0" err="1">
                 <a:solidFill>
                   <a:srgbClr val="000000"/>
                 </a:solidFill>
@@ -7082,7 +7087,7 @@
               <a:t>th</a:t>
             </a:r>
             <a:r>
-              <a:rPr lang="en-US" sz="1000" b="1" i="0" u="none" strike="noStrike" baseline="0">
+              <a:rPr lang="en-US" sz="1000" b="1" i="0" u="none" strike="noStrike" baseline="0" dirty="0">
                 <a:solidFill>
                   <a:srgbClr val="000000"/>
                 </a:solidFill>
@@ -7093,7 +7098,7 @@
           </a:p>
           <a:p>
             <a:r>
-              <a:rPr lang="en-US" sz="1000" b="1" i="0" u="none" strike="noStrike" baseline="0">
+              <a:rPr lang="en-US" sz="1000" b="1" i="0" u="none" strike="noStrike" baseline="0" dirty="0">
                 <a:solidFill>
                   <a:srgbClr val="000000"/>
                 </a:solidFill>
@@ -7102,7 +7107,7 @@
               <a:t>    </a:t>
             </a:r>
             <a:r>
-              <a:rPr lang="en-US" sz="1000" b="1" i="0" u="none" strike="noStrike" baseline="0" err="1">
+              <a:rPr lang="en-US" sz="1000" b="1" i="0" u="none" strike="noStrike" baseline="0" dirty="0" err="1">
                 <a:solidFill>
                   <a:srgbClr val="000000"/>
                 </a:solidFill>
@@ -7111,7 +7116,7 @@
               <a:t>dxdt</a:t>
             </a:r>
             <a:r>
-              <a:rPr lang="en-US" sz="1000" b="1" i="0" u="none" strike="noStrike" baseline="0">
+              <a:rPr lang="en-US" sz="1000" b="1" i="0" u="none" strike="noStrike" baseline="0" dirty="0">
                 <a:solidFill>
                   <a:srgbClr val="000000"/>
                 </a:solidFill>
@@ -7120,7 +7125,7 @@
               <a:t> = [dh; dv; dm; dx; </a:t>
             </a:r>
             <a:r>
-              <a:rPr lang="en-US" sz="1000" b="1" i="0" u="none" strike="noStrike" baseline="0" err="1">
+              <a:rPr lang="en-US" sz="1000" b="1" i="0" u="none" strike="noStrike" baseline="0" dirty="0" err="1">
                 <a:solidFill>
                   <a:srgbClr val="000000"/>
                 </a:solidFill>
@@ -7129,7 +7134,7 @@
               <a:t>dth</a:t>
             </a:r>
             <a:r>
-              <a:rPr lang="en-US" sz="1000" b="1" i="0" u="none" strike="noStrike" baseline="0">
+              <a:rPr lang="en-US" sz="1000" b="1" i="0" u="none" strike="noStrike" baseline="0" dirty="0">
                 <a:solidFill>
                   <a:srgbClr val="000000"/>
                 </a:solidFill>
@@ -7140,7 +7145,7 @@
           </a:p>
           <a:p>
             <a:r>
-              <a:rPr lang="en-US" sz="1000" b="1" i="0" u="none" strike="noStrike" baseline="0">
+              <a:rPr lang="en-US" sz="1000" b="1" i="0" u="none" strike="noStrike" baseline="0" dirty="0">
                 <a:solidFill>
                   <a:srgbClr val="000000"/>
                 </a:solidFill>
@@ -7151,7 +7156,7 @@
           </a:p>
           <a:p>
             <a:r>
-              <a:rPr lang="en-US" sz="1000" b="1" i="0" u="none" strike="noStrike" baseline="0">
+              <a:rPr lang="en-US" sz="1000" b="1" i="0" u="none" strike="noStrike" baseline="0" dirty="0">
                 <a:solidFill>
                   <a:srgbClr val="0E00FF"/>
                 </a:solidFill>
@@ -7160,7 +7165,7 @@
               <a:t>end</a:t>
             </a:r>
             <a:r>
-              <a:rPr lang="en-US" sz="1000" b="1" i="0" u="none" strike="noStrike" baseline="0">
+              <a:rPr lang="en-US" sz="1000" b="1" i="0" u="none" strike="noStrike" baseline="0" dirty="0">
                 <a:solidFill>
                   <a:srgbClr val="000000"/>
                 </a:solidFill>
@@ -7228,7 +7233,7 @@
           <a:lstStyle/>
           <a:p>
             <a:r>
-              <a:rPr lang="en-US"/>
+              <a:rPr lang="en-US" dirty="0"/>
               <a:t>Problem 3: Rocket Launch + Turning</a:t>
             </a:r>
           </a:p>
@@ -7304,10 +7309,10 @@
       </p:pic>
       <p:pic>
         <p:nvPicPr>
-          <p:cNvPr id="10" name="Picture 9" descr="A graph of body forces&#10;&#10;Description automatically generated">
-            <a:extLst>
-              <a:ext uri="{FF2B5EF4-FFF2-40B4-BE49-F238E27FC236}">
-                <a16:creationId xmlns:a16="http://schemas.microsoft.com/office/drawing/2014/main" id="{2C998DE4-5407-F29A-9658-825ECC49ED1A}"/>
+          <p:cNvPr id="14" name="Picture 13" descr="A graph of flight profile&#10;&#10;Description automatically generated">
+            <a:extLst>
+              <a:ext uri="{FF2B5EF4-FFF2-40B4-BE49-F238E27FC236}">
+                <a16:creationId xmlns:a16="http://schemas.microsoft.com/office/drawing/2014/main" id="{AB8BA504-D7D4-9AED-64DB-A54A351C3387}"/>
               </a:ext>
             </a:extLst>
           </p:cNvPr>
@@ -7318,36 +7323,6 @@
         </p:nvPicPr>
         <p:blipFill>
           <a:blip r:embed="rId6"/>
-          <a:stretch>
-            <a:fillRect/>
-          </a:stretch>
-        </p:blipFill>
-        <p:spPr>
-          <a:xfrm>
-            <a:off x="4635259" y="3765874"/>
-            <a:ext cx="3714726" cy="2785535"/>
-          </a:xfrm>
-          <a:prstGeom prst="rect">
-            <a:avLst/>
-          </a:prstGeom>
-        </p:spPr>
-      </p:pic>
-      <p:pic>
-        <p:nvPicPr>
-          <p:cNvPr id="14" name="Picture 13" descr="A graph of flight profile&#10;&#10;Description automatically generated">
-            <a:extLst>
-              <a:ext uri="{FF2B5EF4-FFF2-40B4-BE49-F238E27FC236}">
-                <a16:creationId xmlns:a16="http://schemas.microsoft.com/office/drawing/2014/main" id="{AB8BA504-D7D4-9AED-64DB-A54A351C3387}"/>
-              </a:ext>
-            </a:extLst>
-          </p:cNvPr>
-          <p:cNvPicPr>
-            <a:picLocks noChangeAspect="1"/>
-          </p:cNvPicPr>
-          <p:nvPr/>
-        </p:nvPicPr>
-        <p:blipFill>
-          <a:blip r:embed="rId7"/>
           <a:stretch>
             <a:fillRect/>
           </a:stretch>
@@ -7377,7 +7352,7 @@
           <p:nvPr/>
         </p:nvPicPr>
         <p:blipFill>
-          <a:blip r:embed="rId8"/>
+          <a:blip r:embed="rId7"/>
           <a:stretch>
             <a:fillRect/>
           </a:stretch>
@@ -7386,6 +7361,42 @@
           <a:xfrm>
             <a:off x="8349477" y="3764706"/>
             <a:ext cx="3706258" cy="2785534"/>
+          </a:xfrm>
+          <a:prstGeom prst="rect">
+            <a:avLst/>
+          </a:prstGeom>
+        </p:spPr>
+      </p:pic>
+      <p:pic>
+        <p:nvPicPr>
+          <p:cNvPr id="4" name="Picture 3" descr="A graph of body forces&#10;&#10;Description automatically generated">
+            <a:extLst>
+              <a:ext uri="{FF2B5EF4-FFF2-40B4-BE49-F238E27FC236}">
+                <a16:creationId xmlns:a16="http://schemas.microsoft.com/office/drawing/2014/main" id="{8945FA14-7110-43D8-EE26-3D00BB466BBD}"/>
+              </a:ext>
+            </a:extLst>
+          </p:cNvPr>
+          <p:cNvPicPr>
+            <a:picLocks noChangeAspect="1"/>
+          </p:cNvPicPr>
+          <p:nvPr/>
+        </p:nvPicPr>
+        <p:blipFill>
+          <a:blip r:embed="rId8">
+            <a:extLst>
+              <a:ext uri="{28A0092B-C50C-407E-A947-70E740481C1C}">
+                <a14:useLocalDpi xmlns:a14="http://schemas.microsoft.com/office/drawing/2010/main" val="0"/>
+              </a:ext>
+            </a:extLst>
+          </a:blip>
+          <a:stretch>
+            <a:fillRect/>
+          </a:stretch>
+        </p:blipFill>
+        <p:spPr>
+          <a:xfrm>
+            <a:off x="4645456" y="3769570"/>
+            <a:ext cx="3703320" cy="2776437"/>
           </a:xfrm>
           <a:prstGeom prst="rect">
             <a:avLst/>
@@ -7430,7 +7441,7 @@
                                   <p:childTnLst>
                                     <p:cmd type="call" cmd="playFrom(0.0)">
                                       <p:cBhvr>
-                                        <p:cTn id="6" dur="1" fill="hold"/>
+                                        <p:cTn id="6" dur="22350" fill="hold"/>
                                         <p:tgtEl>
                                           <p:spTgt spid="6"/>
                                         </p:tgtEl>
@@ -7584,7 +7595,7 @@
           <a:lstStyle/>
           <a:p>
             <a:r>
-              <a:rPr lang="en-US"/>
+              <a:rPr lang="en-US" dirty="0"/>
               <a:t>Conclusions</a:t>
             </a:r>
           </a:p>
@@ -7619,23 +7630,23 @@
           <a:lstStyle/>
           <a:p>
             <a:r>
-              <a:rPr lang="en-US"/>
+              <a:rPr lang="en-US" dirty="0"/>
               <a:t>Matched Simulink's 90 degree turn</a:t>
             </a:r>
           </a:p>
           <a:p>
             <a:r>
-              <a:rPr lang="en-US"/>
+              <a:rPr lang="en-US" dirty="0"/>
               <a:t>Overshot altitude due to increased burn time compared to </a:t>
             </a:r>
             <a:r>
-              <a:rPr lang="en-US" err="1"/>
+              <a:rPr lang="en-US" dirty="0" err="1"/>
               <a:t>simulink</a:t>
             </a:r>
           </a:p>
           <a:p>
             <a:r>
-              <a:rPr lang="en-US"/>
+              <a:rPr lang="en-US" dirty="0"/>
               <a:t>Pitching delay was not accounted for in ODE45</a:t>
             </a:r>
           </a:p>
@@ -7643,13 +7654,13 @@
             <a:pPr marL="0" indent="0">
               <a:buNone/>
             </a:pPr>
-            <a:endParaRPr lang="en-US"/>
-          </a:p>
-          <a:p>
-            <a:endParaRPr lang="en-US"/>
-          </a:p>
-          <a:p>
-            <a:endParaRPr lang="en-US"/>
+            <a:endParaRPr lang="en-US" dirty="0"/>
+          </a:p>
+          <a:p>
+            <a:endParaRPr lang="en-US" dirty="0"/>
+          </a:p>
+          <a:p>
+            <a:endParaRPr lang="en-US" dirty="0"/>
           </a:p>
         </p:txBody>
       </p:sp>
@@ -7720,7 +7731,7 @@
                     <a:lstStyle/>
                     <a:p>
                       <a:r>
-                        <a:rPr lang="en-US"/>
+                        <a:rPr lang="en-US" dirty="0"/>
                         <a:t>Parameter</a:t>
                       </a:r>
                     </a:p>
@@ -7733,7 +7744,7 @@
                     <a:lstStyle/>
                     <a:p>
                       <a:r>
-                        <a:rPr lang="en-US"/>
+                        <a:rPr lang="en-US" dirty="0"/>
                         <a:t>Simulink</a:t>
                       </a:r>
                     </a:p>
@@ -7749,7 +7760,7 @@
                         <a:buNone/>
                       </a:pPr>
                       <a:r>
-                        <a:rPr lang="en-US"/>
+                        <a:rPr lang="en-US" dirty="0"/>
                         <a:t>ODE45</a:t>
                       </a:r>
                     </a:p>
@@ -7782,7 +7793,7 @@
                     <a:lstStyle/>
                     <a:p>
                       <a:r>
-                        <a:rPr lang="en-US"/>
+                        <a:rPr lang="en-US" dirty="0"/>
                         <a:t>Thrust</a:t>
                       </a:r>
                     </a:p>
@@ -7795,7 +7806,7 @@
                     <a:lstStyle/>
                     <a:p>
                       <a:r>
-                        <a:rPr lang="en-US"/>
+                        <a:rPr lang="en-US" dirty="0"/>
                         <a:t>50000 N</a:t>
                       </a:r>
                     </a:p>
@@ -7811,7 +7822,7 @@
                         <a:buNone/>
                       </a:pPr>
                       <a:r>
-                        <a:rPr lang="en-US"/>
+                        <a:rPr lang="en-US" dirty="0"/>
                         <a:t>53000 N</a:t>
                       </a:r>
                     </a:p>
@@ -7824,7 +7835,7 @@
                     <a:lstStyle/>
                     <a:p>
                       <a:r>
-                        <a:rPr lang="en-US"/>
+                        <a:rPr lang="en-US" dirty="0"/>
                         <a:t>+6%</a:t>
                       </a:r>
                     </a:p>
@@ -7844,7 +7855,7 @@
                     <a:lstStyle/>
                     <a:p>
                       <a:r>
-                        <a:rPr lang="en-US"/>
+                        <a:rPr lang="en-US" dirty="0"/>
                         <a:t>Burn Time</a:t>
                       </a:r>
                     </a:p>
@@ -7857,7 +7868,7 @@
                     <a:lstStyle/>
                     <a:p>
                       <a:r>
-                        <a:rPr lang="en-US"/>
+                        <a:rPr lang="en-US" dirty="0"/>
                         <a:t>130 s</a:t>
                       </a:r>
                     </a:p>
@@ -7873,7 +7884,7 @@
                         <a:buNone/>
                       </a:pPr>
                       <a:r>
-                        <a:rPr lang="en-US"/>
+                        <a:rPr lang="en-US" dirty="0"/>
                         <a:t>150 s</a:t>
                       </a:r>
                     </a:p>
@@ -7886,7 +7897,7 @@
                     <a:lstStyle/>
                     <a:p>
                       <a:r>
-                        <a:rPr lang="en-US"/>
+                        <a:rPr lang="en-US" dirty="0"/>
                         <a:t>+15.3%</a:t>
                       </a:r>
                     </a:p>
@@ -7906,7 +7917,7 @@
                     <a:lstStyle/>
                     <a:p>
                       <a:r>
-                        <a:rPr lang="en-US"/>
+                        <a:rPr lang="en-US" dirty="0"/>
                         <a:t>Moment Constant</a:t>
                       </a:r>
                     </a:p>
@@ -7919,7 +7930,7 @@
                     <a:lstStyle/>
                     <a:p>
                       <a:r>
-                        <a:rPr lang="en-US"/>
+                        <a:rPr lang="en-US" dirty="0"/>
                         <a:t>12.35</a:t>
                       </a:r>
                     </a:p>
@@ -7935,7 +7946,7 @@
                         <a:buNone/>
                       </a:pPr>
                       <a:r>
-                        <a:rPr lang="en-US"/>
+                        <a:rPr lang="en-US" dirty="0"/>
                         <a:t>40.1</a:t>
                       </a:r>
                     </a:p>
@@ -7948,7 +7959,7 @@
                     <a:lstStyle/>
                     <a:p>
                       <a:r>
-                        <a:rPr lang="en-US"/>
+                        <a:rPr lang="en-US" dirty="0"/>
                         <a:t>+224%</a:t>
                       </a:r>
                     </a:p>
